--- a/couchdb/ApresentacaoFinal.pptx
+++ b/couchdb/ApresentacaoFinal.pptx
@@ -7,17 +7,15 @@
   <p:sldIdLst>
     <p:sldId id="256" r:id="rId2"/>
     <p:sldId id="257" r:id="rId3"/>
-    <p:sldId id="268" r:id="rId4"/>
-    <p:sldId id="260" r:id="rId5"/>
-    <p:sldId id="267" r:id="rId6"/>
-    <p:sldId id="266" r:id="rId7"/>
-    <p:sldId id="264" r:id="rId8"/>
+    <p:sldId id="263" r:id="rId4"/>
+    <p:sldId id="267" r:id="rId5"/>
+    <p:sldId id="265" r:id="rId6"/>
+    <p:sldId id="269" r:id="rId7"/>
+    <p:sldId id="270" r:id="rId8"/>
     <p:sldId id="272" r:id="rId9"/>
     <p:sldId id="273" r:id="rId10"/>
-    <p:sldId id="270" r:id="rId11"/>
-    <p:sldId id="271" r:id="rId12"/>
-    <p:sldId id="263" r:id="rId13"/>
-    <p:sldId id="261" r:id="rId14"/>
+    <p:sldId id="274" r:id="rId11"/>
+    <p:sldId id="261" r:id="rId12"/>
   </p:sldIdLst>
   <p:sldSz cx="12192000" cy="6858000"/>
   <p:notesSz cx="6858000" cy="9144000"/>
@@ -13846,186 +13844,38 @@
           </a:p>
         </p:txBody>
       </p:sp>
-      <p:sp>
-        <p:nvSpPr>
-          <p:cNvPr id="5" name="Rectângulo 4"/>
-          <p:cNvSpPr/>
-          <p:nvPr/>
-        </p:nvSpPr>
-        <p:spPr>
-          <a:xfrm>
-            <a:off x="9878096" y="0"/>
-            <a:ext cx="1558343" cy="1365161"/>
-          </a:xfrm>
-          <a:prstGeom prst="rect">
-            <a:avLst/>
-          </a:prstGeom>
-          <a:solidFill>
-            <a:schemeClr val="bg1"/>
-          </a:solidFill>
-        </p:spPr>
-        <p:style>
-          <a:lnRef idx="2">
-            <a:schemeClr val="accent1">
-              <a:shade val="50000"/>
-            </a:schemeClr>
-          </a:lnRef>
-          <a:fillRef idx="1">
-            <a:schemeClr val="accent1"/>
-          </a:fillRef>
-          <a:effectRef idx="0">
-            <a:schemeClr val="accent1"/>
-          </a:effectRef>
-          <a:fontRef idx="minor">
-            <a:schemeClr val="lt1"/>
-          </a:fontRef>
-        </p:style>
-        <p:txBody>
-          <a:bodyPr rtlCol="0" anchor="ctr"/>
-          <a:lstStyle/>
-          <a:p>
-            <a:pPr algn="ctr"/>
-            <a:endParaRPr lang="pt-PT" b="1" dirty="0">
-              <a:solidFill>
-                <a:srgbClr val="FF0000"/>
-              </a:solidFill>
-            </a:endParaRPr>
-          </a:p>
-        </p:txBody>
-      </p:sp>
       <p:pic>
         <p:nvPicPr>
-          <p:cNvPr id="6" name="Imagem 5" descr="logo.jpg"/>
+          <p:cNvPr id="3074" name="Picture 2"/>
           <p:cNvPicPr>
-            <a:picLocks noChangeAspect="1"/>
+            <a:picLocks noChangeAspect="1" noChangeArrowheads="1"/>
           </p:cNvPicPr>
           <p:nvPr/>
         </p:nvPicPr>
         <p:blipFill>
           <a:blip r:embed="rId2"/>
+          <a:srcRect/>
           <a:stretch>
             <a:fillRect/>
           </a:stretch>
         </p:blipFill>
-        <p:spPr>
+        <p:spPr bwMode="auto">
           <a:xfrm>
-            <a:off x="9878096" y="0"/>
-            <a:ext cx="1558343" cy="1365161"/>
+            <a:off x="4176713" y="3219450"/>
+            <a:ext cx="3443287" cy="2781768"/>
           </a:xfrm>
           <a:prstGeom prst="rect">
             <a:avLst/>
           </a:prstGeom>
+          <a:noFill/>
+          <a:ln w="9525">
+            <a:noFill/>
+            <a:miter lim="800000"/>
+            <a:headEnd/>
+            <a:tailEnd/>
+          </a:ln>
         </p:spPr>
       </p:pic>
-      <p:sp>
-        <p:nvSpPr>
-          <p:cNvPr id="7" name="Title 1"/>
-          <p:cNvSpPr txBox="1">
-            <a:spLocks/>
-          </p:cNvSpPr>
-          <p:nvPr/>
-        </p:nvSpPr>
-        <p:spPr bwMode="gray">
-          <a:xfrm>
-            <a:off x="3303269" y="4278923"/>
-            <a:ext cx="4644977" cy="1336432"/>
-          </a:xfrm>
-          <a:prstGeom prst="rect">
-            <a:avLst/>
-          </a:prstGeom>
-        </p:spPr>
-        <p:txBody>
-          <a:bodyPr vert="horz" lIns="91440" tIns="45720" rIns="91440" bIns="45720" rtlCol="0" anchor="b">
-            <a:noAutofit/>
-          </a:bodyPr>
-          <a:lstStyle>
-            <a:lvl1pPr algn="l" defTabSz="457200" rtl="0" eaLnBrk="1" latinLnBrk="0" hangingPunct="1">
-              <a:spcBef>
-                <a:spcPct val="0"/>
-              </a:spcBef>
-              <a:buNone/>
-              <a:defRPr sz="5400" b="0" i="0" kern="1200">
-                <a:solidFill>
-                  <a:schemeClr val="bg2"/>
-                </a:solidFill>
-                <a:latin typeface="+mj-lt"/>
-                <a:ea typeface="+mj-ea"/>
-                <a:cs typeface="+mj-cs"/>
-              </a:defRPr>
-            </a:lvl1pPr>
-            <a:lvl2pPr eaLnBrk="1" hangingPunct="1">
-              <a:defRPr>
-                <a:solidFill>
-                  <a:schemeClr val="tx2"/>
-                </a:solidFill>
-              </a:defRPr>
-            </a:lvl2pPr>
-            <a:lvl3pPr eaLnBrk="1" hangingPunct="1">
-              <a:defRPr>
-                <a:solidFill>
-                  <a:schemeClr val="tx2"/>
-                </a:solidFill>
-              </a:defRPr>
-            </a:lvl3pPr>
-            <a:lvl4pPr eaLnBrk="1" hangingPunct="1">
-              <a:defRPr>
-                <a:solidFill>
-                  <a:schemeClr val="tx2"/>
-                </a:solidFill>
-              </a:defRPr>
-            </a:lvl4pPr>
-            <a:lvl5pPr eaLnBrk="1" hangingPunct="1">
-              <a:defRPr>
-                <a:solidFill>
-                  <a:schemeClr val="tx2"/>
-                </a:solidFill>
-              </a:defRPr>
-            </a:lvl5pPr>
-            <a:lvl6pPr eaLnBrk="1" hangingPunct="1">
-              <a:defRPr>
-                <a:solidFill>
-                  <a:schemeClr val="tx2"/>
-                </a:solidFill>
-              </a:defRPr>
-            </a:lvl6pPr>
-            <a:lvl7pPr eaLnBrk="1" hangingPunct="1">
-              <a:defRPr>
-                <a:solidFill>
-                  <a:schemeClr val="tx2"/>
-                </a:solidFill>
-              </a:defRPr>
-            </a:lvl7pPr>
-            <a:lvl8pPr eaLnBrk="1" hangingPunct="1">
-              <a:defRPr>
-                <a:solidFill>
-                  <a:schemeClr val="tx2"/>
-                </a:solidFill>
-              </a:defRPr>
-            </a:lvl8pPr>
-            <a:lvl9pPr eaLnBrk="1" hangingPunct="1">
-              <a:defRPr>
-                <a:solidFill>
-                  <a:schemeClr val="tx2"/>
-                </a:solidFill>
-              </a:defRPr>
-            </a:lvl9pPr>
-          </a:lstStyle>
-          <a:p>
-            <a:r>
-              <a:rPr lang="pt-PT" dirty="0" smtClean="0"/>
-              <a:t>PRIMARY KEY</a:t>
-            </a:r>
-            <a:r>
-              <a:rPr lang="pt-PT" sz="3600" dirty="0" smtClean="0"/>
-              <a:t/>
-            </a:r>
-            <a:br>
-              <a:rPr lang="pt-PT" sz="3600" dirty="0" smtClean="0"/>
-            </a:br>
-            <a:endParaRPr lang="pt-PT" sz="3600" dirty="0"/>
-          </a:p>
-        </p:txBody>
-      </p:sp>
     </p:spTree>
     <p:extLst>
       <p:ext uri="{BB962C8B-B14F-4D97-AF65-F5344CB8AC3E}">
@@ -14078,169 +13928,62 @@
           <a:bodyPr/>
           <a:lstStyle/>
           <a:p>
-            <a:r>
-              <a:rPr lang="pt-PT" dirty="0" smtClean="0"/>
-              <a:t>Testes</a:t>
-            </a:r>
-            <a:endParaRPr lang="pt-PT" dirty="0"/>
+            <a:endParaRPr lang="pt-PT"/>
           </a:p>
         </p:txBody>
       </p:sp>
       <p:sp>
         <p:nvSpPr>
-          <p:cNvPr id="5" name="CaixaDeTexto 4"/>
-          <p:cNvSpPr txBox="1"/>
+          <p:cNvPr id="3" name="Marcador de Posição de Conteúdo 2"/>
+          <p:cNvSpPr>
+            <a:spLocks noGrp="1"/>
+          </p:cNvSpPr>
+          <p:nvPr>
+            <p:ph idx="1"/>
+          </p:nvPr>
+        </p:nvSpPr>
+        <p:spPr/>
+        <p:txBody>
+          <a:bodyPr/>
+          <a:lstStyle/>
+          <a:p>
+            <a:endParaRPr lang="pt-PT"/>
+          </a:p>
+        </p:txBody>
+      </p:sp>
+      <p:pic>
+        <p:nvPicPr>
+          <p:cNvPr id="4098" name="Picture 2"/>
+          <p:cNvPicPr>
+            <a:picLocks noChangeAspect="1" noChangeArrowheads="1"/>
+          </p:cNvPicPr>
           <p:nvPr/>
-        </p:nvSpPr>
-        <p:spPr>
+        </p:nvPicPr>
+        <p:blipFill>
+          <a:blip r:embed="rId2"/>
+          <a:srcRect/>
+          <a:stretch>
+            <a:fillRect/>
+          </a:stretch>
+        </p:blipFill>
+        <p:spPr bwMode="auto">
           <a:xfrm>
-            <a:off x="321972" y="6293407"/>
-            <a:ext cx="3773510" cy="338554"/>
+            <a:off x="0" y="0"/>
+            <a:ext cx="13011150" cy="7086600"/>
           </a:xfrm>
           <a:prstGeom prst="rect">
             <a:avLst/>
           </a:prstGeom>
           <a:noFill/>
-        </p:spPr>
-        <p:txBody>
-          <a:bodyPr wrap="square" rtlCol="0">
-            <a:spAutoFit/>
-          </a:bodyPr>
-          <a:lstStyle/>
-          <a:p>
-            <a:r>
-              <a:rPr lang="pt-PT" sz="1600" dirty="0" err="1" smtClean="0">
-                <a:solidFill>
-                  <a:schemeClr val="bg1">
-                    <a:lumMod val="65000"/>
-                  </a:schemeClr>
-                </a:solidFill>
-              </a:rPr>
-              <a:t>Primary</a:t>
-            </a:r>
-            <a:r>
-              <a:rPr lang="pt-PT" sz="1600" dirty="0" smtClean="0">
-                <a:solidFill>
-                  <a:schemeClr val="bg1">
-                    <a:lumMod val="65000"/>
-                  </a:schemeClr>
-                </a:solidFill>
-              </a:rPr>
-              <a:t> </a:t>
-            </a:r>
-            <a:r>
-              <a:rPr lang="pt-PT" sz="1600" dirty="0" err="1" smtClean="0">
-                <a:solidFill>
-                  <a:schemeClr val="bg1">
-                    <a:lumMod val="65000"/>
-                  </a:schemeClr>
-                </a:solidFill>
-              </a:rPr>
-              <a:t>Key</a:t>
-            </a:r>
-            <a:endParaRPr lang="pt-PT" sz="1600" dirty="0">
-              <a:solidFill>
-                <a:schemeClr val="bg1">
-                  <a:lumMod val="65000"/>
-                </a:schemeClr>
-              </a:solidFill>
-            </a:endParaRPr>
-          </a:p>
-        </p:txBody>
-      </p:sp>
-      <p:pic>
-        <p:nvPicPr>
-          <p:cNvPr id="7" name="Imagem 6" descr="logo.jpg"/>
-          <p:cNvPicPr>
-            <a:picLocks noChangeAspect="1"/>
-          </p:cNvPicPr>
-          <p:nvPr/>
-        </p:nvPicPr>
-        <p:blipFill>
-          <a:blip r:embed="rId2"/>
-          <a:stretch>
-            <a:fillRect/>
-          </a:stretch>
-        </p:blipFill>
-        <p:spPr>
-          <a:xfrm>
-            <a:off x="9878096" y="0"/>
-            <a:ext cx="1558343" cy="1365161"/>
-          </a:xfrm>
-          <a:prstGeom prst="rect">
-            <a:avLst/>
-          </a:prstGeom>
+          <a:ln w="9525">
+            <a:noFill/>
+            <a:miter lim="800000"/>
+            <a:headEnd/>
+            <a:tailEnd/>
+          </a:ln>
         </p:spPr>
       </p:pic>
-      <p:sp>
-        <p:nvSpPr>
-          <p:cNvPr id="6" name="CaixaDeTexto 5"/>
-          <p:cNvSpPr txBox="1"/>
-          <p:nvPr/>
-        </p:nvSpPr>
-        <p:spPr>
-          <a:xfrm>
-            <a:off x="445478" y="2438400"/>
-            <a:ext cx="11230708" cy="2308324"/>
-          </a:xfrm>
-          <a:prstGeom prst="rect">
-            <a:avLst/>
-          </a:prstGeom>
-          <a:noFill/>
-        </p:spPr>
-        <p:txBody>
-          <a:bodyPr wrap="square" rtlCol="0">
-            <a:spAutoFit/>
-          </a:bodyPr>
-          <a:lstStyle/>
-          <a:p>
-            <a:r>
-              <a:rPr lang="pt-PT" dirty="0" smtClean="0"/>
-              <a:t>Para esta função escolhemos um determinado teste em que indicamos, o numero de perguntas que queremos consoante os capítulos e a dificuldade.</a:t>
-            </a:r>
-          </a:p>
-          <a:p>
-            <a:endParaRPr lang="pt-PT" dirty="0" smtClean="0"/>
-          </a:p>
-          <a:p>
-            <a:r>
-              <a:rPr lang="pt-PT" dirty="0" smtClean="0"/>
-              <a:t>Podemos gerar </a:t>
-            </a:r>
-            <a:r>
-              <a:rPr lang="pt-PT" b="1" dirty="0" smtClean="0"/>
-              <a:t>n</a:t>
-            </a:r>
-            <a:r>
-              <a:rPr lang="pt-PT" dirty="0" smtClean="0"/>
-              <a:t> testes, todos com as mesmas especificações em que o </a:t>
-            </a:r>
-            <a:r>
-              <a:rPr lang="pt-PT" b="1" dirty="0" smtClean="0"/>
-              <a:t>n</a:t>
-            </a:r>
-            <a:r>
-              <a:rPr lang="pt-PT" dirty="0" smtClean="0"/>
-              <a:t> é um numero definido pelo professor.</a:t>
-            </a:r>
-          </a:p>
-          <a:p>
-            <a:endParaRPr lang="pt-PT" dirty="0" smtClean="0"/>
-          </a:p>
-          <a:p>
-            <a:endParaRPr lang="pt-PT" dirty="0" smtClean="0"/>
-          </a:p>
-          <a:p>
-            <a:endParaRPr lang="pt-PT" dirty="0"/>
-          </a:p>
-        </p:txBody>
-      </p:sp>
     </p:spTree>
-    <p:extLst>
-      <p:ext uri="{BB962C8B-B14F-4D97-AF65-F5344CB8AC3E}">
-        <p14:creationId xmlns:p14="http://schemas.microsoft.com/office/powerpoint/2010/main" xmlns="" val="2891170324"/>
-      </p:ext>
-    </p:extLst>
   </p:cSld>
   <p:clrMapOvr>
     <a:masterClrMapping/>
@@ -14274,473 +14017,6 @@
       </p:grpSpPr>
       <p:sp>
         <p:nvSpPr>
-          <p:cNvPr id="2" name="Título 1"/>
-          <p:cNvSpPr>
-            <a:spLocks noGrp="1"/>
-          </p:cNvSpPr>
-          <p:nvPr>
-            <p:ph type="title"/>
-          </p:nvPr>
-        </p:nvSpPr>
-        <p:spPr/>
-        <p:txBody>
-          <a:bodyPr/>
-          <a:lstStyle/>
-          <a:p>
-            <a:r>
-              <a:rPr lang="pt-PT" dirty="0" smtClean="0"/>
-              <a:t>Exemplos</a:t>
-            </a:r>
-            <a:endParaRPr lang="pt-PT" dirty="0"/>
-          </a:p>
-        </p:txBody>
-      </p:sp>
-      <p:sp>
-        <p:nvSpPr>
-          <p:cNvPr id="5" name="CaixaDeTexto 4"/>
-          <p:cNvSpPr txBox="1"/>
-          <p:nvPr/>
-        </p:nvSpPr>
-        <p:spPr>
-          <a:xfrm>
-            <a:off x="321972" y="6293407"/>
-            <a:ext cx="3773510" cy="338554"/>
-          </a:xfrm>
-          <a:prstGeom prst="rect">
-            <a:avLst/>
-          </a:prstGeom>
-          <a:noFill/>
-        </p:spPr>
-        <p:txBody>
-          <a:bodyPr wrap="square" rtlCol="0">
-            <a:spAutoFit/>
-          </a:bodyPr>
-          <a:lstStyle/>
-          <a:p>
-            <a:r>
-              <a:rPr lang="pt-PT" sz="1600" dirty="0" err="1" smtClean="0">
-                <a:solidFill>
-                  <a:schemeClr val="bg1">
-                    <a:lumMod val="65000"/>
-                  </a:schemeClr>
-                </a:solidFill>
-              </a:rPr>
-              <a:t>Primary</a:t>
-            </a:r>
-            <a:r>
-              <a:rPr lang="pt-PT" sz="1600" dirty="0" smtClean="0">
-                <a:solidFill>
-                  <a:schemeClr val="bg1">
-                    <a:lumMod val="65000"/>
-                  </a:schemeClr>
-                </a:solidFill>
-              </a:rPr>
-              <a:t> </a:t>
-            </a:r>
-            <a:r>
-              <a:rPr lang="pt-PT" sz="1600" dirty="0" err="1" smtClean="0">
-                <a:solidFill>
-                  <a:schemeClr val="bg1">
-                    <a:lumMod val="65000"/>
-                  </a:schemeClr>
-                </a:solidFill>
-              </a:rPr>
-              <a:t>Key</a:t>
-            </a:r>
-            <a:endParaRPr lang="pt-PT" sz="1600" dirty="0">
-              <a:solidFill>
-                <a:schemeClr val="bg1">
-                  <a:lumMod val="65000"/>
-                </a:schemeClr>
-              </a:solidFill>
-            </a:endParaRPr>
-          </a:p>
-        </p:txBody>
-      </p:sp>
-      <p:pic>
-        <p:nvPicPr>
-          <p:cNvPr id="7" name="Imagem 6" descr="logo.jpg"/>
-          <p:cNvPicPr>
-            <a:picLocks noChangeAspect="1"/>
-          </p:cNvPicPr>
-          <p:nvPr/>
-        </p:nvPicPr>
-        <p:blipFill>
-          <a:blip r:embed="rId2"/>
-          <a:stretch>
-            <a:fillRect/>
-          </a:stretch>
-        </p:blipFill>
-        <p:spPr>
-          <a:xfrm>
-            <a:off x="9878096" y="0"/>
-            <a:ext cx="1558343" cy="1365161"/>
-          </a:xfrm>
-          <a:prstGeom prst="rect">
-            <a:avLst/>
-          </a:prstGeom>
-        </p:spPr>
-      </p:pic>
-      <p:pic>
-        <p:nvPicPr>
-          <p:cNvPr id="3" name="Imagem 2"/>
-          <p:cNvPicPr>
-            <a:picLocks noChangeAspect="1"/>
-          </p:cNvPicPr>
-          <p:nvPr/>
-        </p:nvPicPr>
-        <p:blipFill>
-          <a:blip r:embed="rId3"/>
-          <a:stretch>
-            <a:fillRect/>
-          </a:stretch>
-        </p:blipFill>
-        <p:spPr>
-          <a:xfrm>
-            <a:off x="2924175" y="2229291"/>
-            <a:ext cx="6118225" cy="4233393"/>
-          </a:xfrm>
-          <a:prstGeom prst="rect">
-            <a:avLst/>
-          </a:prstGeom>
-        </p:spPr>
-      </p:pic>
-    </p:spTree>
-    <p:extLst>
-      <p:ext uri="{BB962C8B-B14F-4D97-AF65-F5344CB8AC3E}">
-        <p14:creationId xmlns:p14="http://schemas.microsoft.com/office/powerpoint/2010/main" xmlns="" val="2891170324"/>
-      </p:ext>
-    </p:extLst>
-  </p:cSld>
-  <p:clrMapOvr>
-    <a:masterClrMapping/>
-  </p:clrMapOvr>
-  <p:timing>
-    <p:tnLst>
-      <p:par>
-        <p:cTn id="1" dur="indefinite" restart="never" nodeType="tmRoot"/>
-      </p:par>
-    </p:tnLst>
-  </p:timing>
-</p:sld>
-</file>
-
-<file path=ppt/slides/slide12.xml><?xml version="1.0" encoding="utf-8"?>
-<p:sld xmlns:a="http://schemas.openxmlformats.org/drawingml/2006/main" xmlns:r="http://schemas.openxmlformats.org/officeDocument/2006/relationships" xmlns:p="http://schemas.openxmlformats.org/presentationml/2006/main">
-  <p:cSld>
-    <p:spTree>
-      <p:nvGrpSpPr>
-        <p:cNvPr id="1" name=""/>
-        <p:cNvGrpSpPr/>
-        <p:nvPr/>
-      </p:nvGrpSpPr>
-      <p:grpSpPr>
-        <a:xfrm>
-          <a:off x="0" y="0"/>
-          <a:ext cx="0" cy="0"/>
-          <a:chOff x="0" y="0"/>
-          <a:chExt cx="0" cy="0"/>
-        </a:xfrm>
-      </p:grpSpPr>
-      <p:sp>
-        <p:nvSpPr>
-          <p:cNvPr id="2" name="Título 1"/>
-          <p:cNvSpPr>
-            <a:spLocks noGrp="1"/>
-          </p:cNvSpPr>
-          <p:nvPr>
-            <p:ph type="title"/>
-          </p:nvPr>
-        </p:nvSpPr>
-        <p:spPr/>
-        <p:txBody>
-          <a:bodyPr/>
-          <a:lstStyle/>
-          <a:p>
-            <a:r>
-              <a:rPr lang="pt-PT" dirty="0" smtClean="0"/>
-              <a:t>Trabalho Realizado Por:</a:t>
-            </a:r>
-            <a:endParaRPr lang="pt-PT" dirty="0"/>
-          </a:p>
-        </p:txBody>
-      </p:sp>
-      <p:sp>
-        <p:nvSpPr>
-          <p:cNvPr id="5" name="CaixaDeTexto 4"/>
-          <p:cNvSpPr txBox="1"/>
-          <p:nvPr/>
-        </p:nvSpPr>
-        <p:spPr>
-          <a:xfrm>
-            <a:off x="321972" y="6293407"/>
-            <a:ext cx="3773510" cy="338554"/>
-          </a:xfrm>
-          <a:prstGeom prst="rect">
-            <a:avLst/>
-          </a:prstGeom>
-          <a:noFill/>
-        </p:spPr>
-        <p:txBody>
-          <a:bodyPr wrap="square" rtlCol="0">
-            <a:spAutoFit/>
-          </a:bodyPr>
-          <a:lstStyle/>
-          <a:p>
-            <a:r>
-              <a:rPr lang="pt-PT" sz="1600" dirty="0" smtClean="0">
-                <a:solidFill>
-                  <a:schemeClr val="bg1">
-                    <a:lumMod val="65000"/>
-                  </a:schemeClr>
-                </a:solidFill>
-              </a:rPr>
-              <a:t>Nome do grupo de trabalho</a:t>
-            </a:r>
-            <a:endParaRPr lang="pt-PT" sz="1600" dirty="0">
-              <a:solidFill>
-                <a:schemeClr val="bg1">
-                  <a:lumMod val="65000"/>
-                </a:schemeClr>
-              </a:solidFill>
-            </a:endParaRPr>
-          </a:p>
-        </p:txBody>
-      </p:sp>
-      <p:sp>
-        <p:nvSpPr>
-          <p:cNvPr id="6" name="Subtítulo 2"/>
-          <p:cNvSpPr>
-            <a:spLocks noGrp="1"/>
-          </p:cNvSpPr>
-          <p:nvPr>
-            <p:ph sz="half" idx="1"/>
-          </p:nvPr>
-        </p:nvSpPr>
-        <p:spPr>
-          <a:xfrm>
-            <a:off x="3714629" y="2415931"/>
-            <a:ext cx="4670669" cy="3750408"/>
-          </a:xfrm>
-        </p:spPr>
-        <p:txBody>
-          <a:bodyPr>
-            <a:noAutofit/>
-          </a:bodyPr>
-          <a:lstStyle/>
-          <a:p>
-            <a:pPr algn="just">
-              <a:buFont typeface="Arial" pitchFamily="34" charset="0"/>
-              <a:buChar char="•"/>
-            </a:pPr>
-            <a:r>
-              <a:rPr lang="pt-PT" sz="2800" dirty="0" smtClean="0">
-                <a:solidFill>
-                  <a:schemeClr val="tx1"/>
-                </a:solidFill>
-              </a:rPr>
-              <a:t>Cláudia Jesus</a:t>
-            </a:r>
-          </a:p>
-          <a:p>
-            <a:pPr algn="just">
-              <a:buFont typeface="Arial" pitchFamily="34" charset="0"/>
-              <a:buChar char="•"/>
-            </a:pPr>
-            <a:r>
-              <a:rPr lang="pt-PT" sz="2800" dirty="0" smtClean="0">
-                <a:solidFill>
-                  <a:schemeClr val="tx1"/>
-                </a:solidFill>
-              </a:rPr>
-              <a:t>Diogo Marques</a:t>
-            </a:r>
-          </a:p>
-          <a:p>
-            <a:pPr algn="just">
-              <a:buFont typeface="Arial" pitchFamily="34" charset="0"/>
-              <a:buChar char="•"/>
-            </a:pPr>
-            <a:r>
-              <a:rPr lang="pt-PT" sz="2800" dirty="0" smtClean="0">
-                <a:solidFill>
-                  <a:schemeClr val="tx1"/>
-                </a:solidFill>
-              </a:rPr>
-              <a:t>Filipe Dias</a:t>
-            </a:r>
-          </a:p>
-          <a:p>
-            <a:pPr algn="just">
-              <a:buFont typeface="Arial" pitchFamily="34" charset="0"/>
-              <a:buChar char="•"/>
-            </a:pPr>
-            <a:r>
-              <a:rPr lang="pt-PT" sz="2800" dirty="0" smtClean="0">
-                <a:solidFill>
-                  <a:schemeClr val="tx1"/>
-                </a:solidFill>
-              </a:rPr>
-              <a:t>Hugo Rodrigues</a:t>
-            </a:r>
-          </a:p>
-          <a:p>
-            <a:pPr marL="0" lvl="0" indent="0" algn="just" defTabSz="914400">
-              <a:spcBef>
-                <a:spcPts val="580"/>
-              </a:spcBef>
-              <a:buSzPct val="85000"/>
-              <a:buFont typeface="Arial" pitchFamily="34" charset="0"/>
-              <a:buChar char="•"/>
-              <a:defRPr/>
-            </a:pPr>
-            <a:r>
-              <a:rPr lang="pt-PT" sz="2800" dirty="0" smtClean="0">
-                <a:solidFill>
-                  <a:schemeClr val="tx1"/>
-                </a:solidFill>
-              </a:rPr>
-              <a:t>  Luís </a:t>
-            </a:r>
-            <a:r>
-              <a:rPr lang="pt-PT" sz="2800" dirty="0">
-                <a:solidFill>
-                  <a:schemeClr val="tx1"/>
-                </a:solidFill>
-              </a:rPr>
-              <a:t>Silva</a:t>
-            </a:r>
-          </a:p>
-          <a:p>
-            <a:pPr marL="0" lvl="0" indent="0" algn="just" defTabSz="914400">
-              <a:spcBef>
-                <a:spcPts val="580"/>
-              </a:spcBef>
-              <a:buSzPct val="85000"/>
-              <a:buFont typeface="Arial" pitchFamily="34" charset="0"/>
-              <a:buChar char="•"/>
-              <a:defRPr/>
-            </a:pPr>
-            <a:r>
-              <a:rPr lang="pt-PT" sz="2800" dirty="0" smtClean="0">
-                <a:solidFill>
-                  <a:schemeClr val="tx1"/>
-                </a:solidFill>
-              </a:rPr>
-              <a:t>  Paulo </a:t>
-            </a:r>
-            <a:r>
-              <a:rPr lang="pt-PT" sz="2800" dirty="0">
-                <a:solidFill>
-                  <a:schemeClr val="tx1"/>
-                </a:solidFill>
-              </a:rPr>
-              <a:t>Simões </a:t>
-            </a:r>
-          </a:p>
-          <a:p>
-            <a:pPr marL="0" lvl="0" indent="0" algn="just" defTabSz="914400">
-              <a:spcBef>
-                <a:spcPts val="580"/>
-              </a:spcBef>
-              <a:buSzPct val="85000"/>
-              <a:buFont typeface="Arial" pitchFamily="34" charset="0"/>
-              <a:buChar char="•"/>
-              <a:defRPr/>
-            </a:pPr>
-            <a:r>
-              <a:rPr lang="pt-PT" sz="2800" dirty="0" smtClean="0">
-                <a:solidFill>
-                  <a:schemeClr val="tx1"/>
-                </a:solidFill>
-              </a:rPr>
-              <a:t>  Tiago </a:t>
-            </a:r>
-            <a:r>
-              <a:rPr lang="pt-PT" sz="2800" dirty="0">
-                <a:solidFill>
-                  <a:schemeClr val="tx1"/>
-                </a:solidFill>
-              </a:rPr>
-              <a:t>Almeida</a:t>
-            </a:r>
-          </a:p>
-          <a:p>
-            <a:pPr algn="just">
-              <a:buFont typeface="Arial" pitchFamily="34" charset="0"/>
-              <a:buChar char="•"/>
-            </a:pPr>
-            <a:endParaRPr lang="pt-PT" sz="2800" dirty="0">
-              <a:solidFill>
-                <a:schemeClr val="tx1"/>
-              </a:solidFill>
-            </a:endParaRPr>
-          </a:p>
-        </p:txBody>
-      </p:sp>
-      <p:pic>
-        <p:nvPicPr>
-          <p:cNvPr id="8" name="Imagem 7" descr="logo.jpg"/>
-          <p:cNvPicPr>
-            <a:picLocks noChangeAspect="1"/>
-          </p:cNvPicPr>
-          <p:nvPr/>
-        </p:nvPicPr>
-        <p:blipFill>
-          <a:blip r:embed="rId2"/>
-          <a:stretch>
-            <a:fillRect/>
-          </a:stretch>
-        </p:blipFill>
-        <p:spPr>
-          <a:xfrm>
-            <a:off x="9878096" y="0"/>
-            <a:ext cx="1558343" cy="1365161"/>
-          </a:xfrm>
-          <a:prstGeom prst="rect">
-            <a:avLst/>
-          </a:prstGeom>
-        </p:spPr>
-      </p:pic>
-    </p:spTree>
-    <p:extLst>
-      <p:ext uri="{BB962C8B-B14F-4D97-AF65-F5344CB8AC3E}">
-        <p14:creationId xmlns:p14="http://schemas.microsoft.com/office/powerpoint/2010/main" xmlns="" val="1610048650"/>
-      </p:ext>
-    </p:extLst>
-  </p:cSld>
-  <p:clrMapOvr>
-    <a:masterClrMapping/>
-  </p:clrMapOvr>
-  <p:timing>
-    <p:tnLst>
-      <p:par>
-        <p:cTn id="1" dur="indefinite" restart="never" nodeType="tmRoot"/>
-      </p:par>
-    </p:tnLst>
-  </p:timing>
-</p:sld>
-</file>
-
-<file path=ppt/slides/slide13.xml><?xml version="1.0" encoding="utf-8"?>
-<p:sld xmlns:a="http://schemas.openxmlformats.org/drawingml/2006/main" xmlns:r="http://schemas.openxmlformats.org/officeDocument/2006/relationships" xmlns:p="http://schemas.openxmlformats.org/presentationml/2006/main">
-  <p:cSld>
-    <p:spTree>
-      <p:nvGrpSpPr>
-        <p:cNvPr id="1" name=""/>
-        <p:cNvGrpSpPr/>
-        <p:nvPr/>
-      </p:nvGrpSpPr>
-      <p:grpSpPr>
-        <a:xfrm>
-          <a:off x="0" y="0"/>
-          <a:ext cx="0" cy="0"/>
-          <a:chOff x="0" y="0"/>
-          <a:chExt cx="0" cy="0"/>
-        </a:xfrm>
-      </p:grpSpPr>
-      <p:sp>
-        <p:nvSpPr>
           <p:cNvPr id="2" name="Title 1"/>
           <p:cNvSpPr>
             <a:spLocks noGrp="1"/>
@@ -14771,7 +14047,7 @@
         <p:spPr>
           <a:xfrm>
             <a:off x="321972" y="6293407"/>
-            <a:ext cx="3773510" cy="338554"/>
+            <a:ext cx="3970628" cy="338554"/>
           </a:xfrm>
           <a:prstGeom prst="rect">
             <a:avLst/>
@@ -14785,6 +14061,16 @@
           <a:lstStyle/>
           <a:p>
             <a:r>
+              <a:rPr lang="pt-PT" sz="1600" dirty="0" err="1" smtClean="0">
+                <a:solidFill>
+                  <a:schemeClr val="bg1">
+                    <a:lumMod val="65000"/>
+                  </a:schemeClr>
+                </a:solidFill>
+              </a:rPr>
+              <a:t>CouchDB</a:t>
+            </a:r>
+            <a:r>
               <a:rPr lang="pt-PT" sz="1600" dirty="0" smtClean="0">
                 <a:solidFill>
                   <a:schemeClr val="bg1">
@@ -14792,7 +14078,7 @@
                   </a:schemeClr>
                 </a:solidFill>
               </a:rPr>
-              <a:t>Nome do grupo de trabalho</a:t>
+              <a:t> “Bem-vindo ao descanso”</a:t>
             </a:r>
             <a:endParaRPr lang="pt-PT" sz="1600" dirty="0">
               <a:solidFill>
@@ -14804,30 +14090,6 @@
           </a:p>
         </p:txBody>
       </p:sp>
-      <p:pic>
-        <p:nvPicPr>
-          <p:cNvPr id="6" name="Imagem 5" descr="logo.jpg"/>
-          <p:cNvPicPr>
-            <a:picLocks noChangeAspect="1"/>
-          </p:cNvPicPr>
-          <p:nvPr/>
-        </p:nvPicPr>
-        <p:blipFill>
-          <a:blip r:embed="rId2"/>
-          <a:stretch>
-            <a:fillRect/>
-          </a:stretch>
-        </p:blipFill>
-        <p:spPr>
-          <a:xfrm>
-            <a:off x="9878096" y="0"/>
-            <a:ext cx="1558343" cy="1365161"/>
-          </a:xfrm>
-          <a:prstGeom prst="rect">
-            <a:avLst/>
-          </a:prstGeom>
-        </p:spPr>
-      </p:pic>
     </p:spTree>
     <p:extLst>
       <p:ext uri="{BB962C8B-B14F-4D97-AF65-F5344CB8AC3E}">
@@ -14901,7 +14163,7 @@
         <p:spPr/>
         <p:txBody>
           <a:bodyPr>
-            <a:normAutofit/>
+            <a:normAutofit fontScale="92500" lnSpcReduction="20000"/>
           </a:bodyPr>
           <a:lstStyle/>
           <a:p>
@@ -14916,7 +14178,7 @@
             </a:pPr>
             <a:r>
               <a:rPr lang="pt-PT" sz="3200" b="1" dirty="0" smtClean="0"/>
-              <a:t>Trabalho desenvolvido pelo Grupo:</a:t>
+              <a:t>Trabalho desenvolvido…</a:t>
             </a:r>
           </a:p>
           <a:p>
@@ -14941,7 +14203,7 @@
             </a:pPr>
             <a:r>
               <a:rPr lang="pt-PT" sz="2400" b="1" dirty="0" smtClean="0"/>
-              <a:t>Modelo de dados</a:t>
+              <a:t>Participação no desenvolvimento do Modelo de dados relacional</a:t>
             </a:r>
           </a:p>
           <a:p>
@@ -14951,8 +14213,39 @@
             </a:pPr>
             <a:r>
               <a:rPr lang="pt-PT" sz="2400" b="1" dirty="0" smtClean="0"/>
-              <a:t>Construção da Base de Dados</a:t>
+              <a:t>Instalação da Base de Dados </a:t>
             </a:r>
+            <a:r>
+              <a:rPr lang="pt-PT" sz="2400" b="1" dirty="0" err="1" smtClean="0"/>
+              <a:t>CouchDB</a:t>
+            </a:r>
+            <a:endParaRPr lang="pt-PT" sz="2400" b="1" dirty="0" smtClean="0"/>
+          </a:p>
+          <a:p>
+            <a:pPr lvl="2">
+              <a:buFont typeface="Wingdings" pitchFamily="2" charset="2"/>
+              <a:buChar char="v"/>
+            </a:pPr>
+            <a:r>
+              <a:rPr lang="pt-PT" sz="2200" b="1" dirty="0" err="1" smtClean="0"/>
+              <a:t>Localhost</a:t>
+            </a:r>
+            <a:endParaRPr lang="pt-PT" sz="2200" b="1" dirty="0" smtClean="0"/>
+          </a:p>
+          <a:p>
+            <a:pPr lvl="2">
+              <a:buFont typeface="Wingdings" pitchFamily="2" charset="2"/>
+              <a:buChar char="v"/>
+            </a:pPr>
+            <a:r>
+              <a:rPr lang="pt-PT" sz="2200" b="1" dirty="0" smtClean="0"/>
+              <a:t>Servidor </a:t>
+            </a:r>
+            <a:r>
+              <a:rPr lang="pt-PT" sz="2200" b="1" dirty="0" err="1" smtClean="0"/>
+              <a:t>CentOS</a:t>
+            </a:r>
+            <a:endParaRPr lang="pt-PT" sz="2200" b="1" dirty="0" smtClean="0"/>
           </a:p>
           <a:p>
             <a:pPr lvl="1">
@@ -14961,22 +14254,7 @@
             </a:pPr>
             <a:r>
               <a:rPr lang="pt-PT" sz="2400" b="1" dirty="0" smtClean="0"/>
-              <a:t>Construção do </a:t>
-            </a:r>
-            <a:r>
-              <a:rPr lang="pt-PT" sz="2400" b="1" dirty="0" err="1" smtClean="0"/>
-              <a:t>Backoffice</a:t>
-            </a:r>
-            <a:endParaRPr lang="pt-PT" sz="2400" b="1" dirty="0" smtClean="0"/>
-          </a:p>
-          <a:p>
-            <a:pPr lvl="1">
-              <a:buFont typeface="Wingdings" pitchFamily="2" charset="2"/>
-              <a:buChar char="v"/>
-            </a:pPr>
-            <a:r>
-              <a:rPr lang="pt-PT" sz="2400" b="1" dirty="0" smtClean="0"/>
-              <a:t>Realização de testes</a:t>
+              <a:t>Realização de testes </a:t>
             </a:r>
           </a:p>
           <a:p>
@@ -15007,14 +14285,14 @@
       </p:sp>
       <p:sp>
         <p:nvSpPr>
-          <p:cNvPr id="5" name="CaixaDeTexto 4"/>
+          <p:cNvPr id="7" name="CaixaDeTexto 6"/>
           <p:cNvSpPr txBox="1"/>
           <p:nvPr/>
         </p:nvSpPr>
         <p:spPr>
           <a:xfrm>
             <a:off x="321972" y="6293407"/>
-            <a:ext cx="3773510" cy="584775"/>
+            <a:ext cx="3970628" cy="338554"/>
           </a:xfrm>
           <a:prstGeom prst="rect">
             <a:avLst/>
@@ -15035,7 +14313,7 @@
                   </a:schemeClr>
                 </a:solidFill>
               </a:rPr>
-              <a:t>Primary</a:t>
+              <a:t>CouchDB</a:t>
             </a:r>
             <a:r>
               <a:rPr lang="pt-PT" sz="1600" dirty="0" smtClean="0">
@@ -15045,27 +14323,8 @@
                   </a:schemeClr>
                 </a:solidFill>
               </a:rPr>
-              <a:t> </a:t>
+              <a:t> “Bem-vindo ao descanso”</a:t>
             </a:r>
-            <a:r>
-              <a:rPr lang="pt-PT" sz="1600" dirty="0" err="1" smtClean="0">
-                <a:solidFill>
-                  <a:schemeClr val="bg1">
-                    <a:lumMod val="65000"/>
-                  </a:schemeClr>
-                </a:solidFill>
-              </a:rPr>
-              <a:t>Key</a:t>
-            </a:r>
-            <a:endParaRPr lang="pt-PT" sz="1600" dirty="0" smtClean="0">
-              <a:solidFill>
-                <a:schemeClr val="bg1">
-                  <a:lumMod val="65000"/>
-                </a:schemeClr>
-              </a:solidFill>
-            </a:endParaRPr>
-          </a:p>
-          <a:p>
             <a:endParaRPr lang="pt-PT" sz="1600" dirty="0">
               <a:solidFill>
                 <a:schemeClr val="bg1">
@@ -15076,30 +14335,6 @@
           </a:p>
         </p:txBody>
       </p:sp>
-      <p:pic>
-        <p:nvPicPr>
-          <p:cNvPr id="6" name="Imagem 5" descr="logo.jpg"/>
-          <p:cNvPicPr>
-            <a:picLocks noChangeAspect="1"/>
-          </p:cNvPicPr>
-          <p:nvPr/>
-        </p:nvPicPr>
-        <p:blipFill>
-          <a:blip r:embed="rId2"/>
-          <a:stretch>
-            <a:fillRect/>
-          </a:stretch>
-        </p:blipFill>
-        <p:spPr>
-          <a:xfrm>
-            <a:off x="9878096" y="0"/>
-            <a:ext cx="1558343" cy="1365161"/>
-          </a:xfrm>
-          <a:prstGeom prst="rect">
-            <a:avLst/>
-          </a:prstGeom>
-        </p:spPr>
-      </p:pic>
     </p:spTree>
     <p:extLst>
       <p:ext uri="{BB962C8B-B14F-4D97-AF65-F5344CB8AC3E}">
@@ -15153,14 +14388,10 @@
           <a:lstStyle/>
           <a:p>
             <a:r>
-              <a:rPr lang="pt-PT" sz="3200" dirty="0" smtClean="0"/>
-              <a:t>Construção de Algoritmos em </a:t>
+              <a:rPr lang="pt-PT" dirty="0" smtClean="0"/>
+              <a:t>Introdução</a:t>
             </a:r>
-            <a:r>
-              <a:rPr lang="pt-PT" sz="3200" dirty="0" err="1" smtClean="0"/>
-              <a:t>Portugol</a:t>
-            </a:r>
-            <a:endParaRPr lang="pt-PT" sz="3200" dirty="0"/>
+            <a:endParaRPr lang="pt-PT" dirty="0"/>
           </a:p>
         </p:txBody>
       </p:sp>
@@ -15177,7 +14408,7 @@
         <p:spPr/>
         <p:txBody>
           <a:bodyPr>
-            <a:normAutofit/>
+            <a:normAutofit fontScale="92500" lnSpcReduction="10000"/>
           </a:bodyPr>
           <a:lstStyle/>
           <a:p>
@@ -15185,6 +14416,122 @@
               <a:buNone/>
             </a:pPr>
             <a:endParaRPr lang="pt-PT" dirty="0" smtClean="0"/>
+          </a:p>
+          <a:p>
+            <a:pPr marL="457200" lvl="1" indent="0">
+              <a:buNone/>
+            </a:pPr>
+            <a:r>
+              <a:rPr lang="pt-PT" sz="3200" b="1" dirty="0" smtClean="0"/>
+              <a:t>Trabalho desenvolvido…</a:t>
+            </a:r>
+          </a:p>
+          <a:p>
+            <a:pPr lvl="1">
+              <a:buFont typeface="Wingdings" pitchFamily="2" charset="2"/>
+              <a:buChar char="v"/>
+            </a:pPr>
+            <a:r>
+              <a:rPr lang="pt-PT" sz="2400" b="1" dirty="0" smtClean="0"/>
+              <a:t>Desenvolvimento do </a:t>
+            </a:r>
+            <a:r>
+              <a:rPr lang="pt-PT" sz="2400" b="1" i="1" dirty="0" smtClean="0"/>
+              <a:t>Script </a:t>
+            </a:r>
+            <a:r>
+              <a:rPr lang="pt-PT" sz="2400" b="1" i="1" dirty="0" err="1" smtClean="0"/>
+              <a:t>Main.js</a:t>
+            </a:r>
+            <a:r>
+              <a:rPr lang="pt-PT" sz="2400" b="1" dirty="0" smtClean="0"/>
+              <a:t> (</a:t>
+            </a:r>
+            <a:r>
+              <a:rPr lang="pt-PT" sz="2400" b="1" dirty="0" err="1" smtClean="0"/>
+              <a:t>node.js</a:t>
+            </a:r>
+            <a:r>
+              <a:rPr lang="pt-PT" sz="2400" b="1" dirty="0" smtClean="0"/>
+              <a:t>) </a:t>
+            </a:r>
+          </a:p>
+          <a:p>
+            <a:pPr lvl="1">
+              <a:buFont typeface="Wingdings" pitchFamily="2" charset="2"/>
+              <a:buChar char="v"/>
+            </a:pPr>
+            <a:r>
+              <a:rPr lang="pt-PT" sz="2400" b="1" dirty="0" smtClean="0"/>
+              <a:t>Instalação do </a:t>
+            </a:r>
+            <a:r>
+              <a:rPr lang="pt-PT" sz="2400" b="1" i="1" dirty="0" smtClean="0"/>
+              <a:t>Script </a:t>
+            </a:r>
+            <a:r>
+              <a:rPr lang="pt-PT" sz="2400" b="1" dirty="0" smtClean="0"/>
+              <a:t>no servidor</a:t>
+            </a:r>
+          </a:p>
+          <a:p>
+            <a:pPr lvl="1">
+              <a:buFont typeface="Wingdings" pitchFamily="2" charset="2"/>
+              <a:buChar char="v"/>
+            </a:pPr>
+            <a:r>
+              <a:rPr lang="pt-PT" sz="2400" b="1" dirty="0" smtClean="0"/>
+              <a:t>Disponibilização da BD ao IDE</a:t>
+            </a:r>
+          </a:p>
+          <a:p>
+            <a:pPr lvl="2">
+              <a:buFont typeface="Wingdings" pitchFamily="2" charset="2"/>
+              <a:buChar char="v"/>
+            </a:pPr>
+            <a:r>
+              <a:rPr lang="pt-PT" sz="2200" b="1" dirty="0" err="1" smtClean="0"/>
+              <a:t>couchset</a:t>
+            </a:r>
+            <a:endParaRPr lang="pt-PT" sz="2200" b="1" dirty="0" smtClean="0"/>
+          </a:p>
+          <a:p>
+            <a:pPr lvl="2">
+              <a:buFont typeface="Wingdings" pitchFamily="2" charset="2"/>
+              <a:buChar char="v"/>
+            </a:pPr>
+            <a:r>
+              <a:rPr lang="pt-PT" sz="2200" b="1" dirty="0" err="1" smtClean="0"/>
+              <a:t>couchget</a:t>
+            </a:r>
+            <a:r>
+              <a:rPr lang="pt-PT" sz="2200" b="1" dirty="0" smtClean="0"/>
+              <a:t> </a:t>
+            </a:r>
+          </a:p>
+          <a:p>
+            <a:pPr lvl="1">
+              <a:buFont typeface="Wingdings" pitchFamily="2" charset="2"/>
+              <a:buChar char="v"/>
+            </a:pPr>
+            <a:r>
+              <a:rPr lang="pt-PT" sz="2400" b="1" dirty="0" smtClean="0"/>
+              <a:t>Realização de testes</a:t>
+            </a:r>
+          </a:p>
+          <a:p>
+            <a:pPr lvl="1">
+              <a:buFont typeface="Wingdings" pitchFamily="2" charset="2"/>
+              <a:buChar char="v"/>
+            </a:pPr>
+            <a:endParaRPr lang="pt-PT" sz="2400" b="1" dirty="0" smtClean="0"/>
+          </a:p>
+          <a:p>
+            <a:pPr lvl="1">
+              <a:buFont typeface="Wingdings" pitchFamily="2" charset="2"/>
+              <a:buChar char="v"/>
+            </a:pPr>
+            <a:endParaRPr lang="pt-PT" sz="2400" b="1" dirty="0" smtClean="0"/>
           </a:p>
           <a:p>
             <a:pPr marL="457200" lvl="1" indent="0">
@@ -15214,14 +14561,14 @@
       </p:sp>
       <p:sp>
         <p:nvSpPr>
-          <p:cNvPr id="5" name="CaixaDeTexto 4"/>
+          <p:cNvPr id="7" name="CaixaDeTexto 6"/>
           <p:cNvSpPr txBox="1"/>
           <p:nvPr/>
         </p:nvSpPr>
         <p:spPr>
           <a:xfrm>
             <a:off x="321972" y="6293407"/>
-            <a:ext cx="3773510" cy="584775"/>
+            <a:ext cx="3970628" cy="338554"/>
           </a:xfrm>
           <a:prstGeom prst="rect">
             <a:avLst/>
@@ -15242,7 +14589,7 @@
                   </a:schemeClr>
                 </a:solidFill>
               </a:rPr>
-              <a:t>Primary</a:t>
+              <a:t>CouchDB</a:t>
             </a:r>
             <a:r>
               <a:rPr lang="pt-PT" sz="1600" dirty="0" smtClean="0">
@@ -15252,27 +14599,8 @@
                   </a:schemeClr>
                 </a:solidFill>
               </a:rPr>
-              <a:t> </a:t>
+              <a:t> “Bem-vindo ao descanso”</a:t>
             </a:r>
-            <a:r>
-              <a:rPr lang="pt-PT" sz="1600" dirty="0" err="1" smtClean="0">
-                <a:solidFill>
-                  <a:schemeClr val="bg1">
-                    <a:lumMod val="65000"/>
-                  </a:schemeClr>
-                </a:solidFill>
-              </a:rPr>
-              <a:t>Key</a:t>
-            </a:r>
-            <a:endParaRPr lang="pt-PT" sz="1600" dirty="0" smtClean="0">
-              <a:solidFill>
-                <a:schemeClr val="bg1">
-                  <a:lumMod val="65000"/>
-                </a:schemeClr>
-              </a:solidFill>
-            </a:endParaRPr>
-          </a:p>
-          <a:p>
             <a:endParaRPr lang="pt-PT" sz="1600" dirty="0">
               <a:solidFill>
                 <a:schemeClr val="bg1">
@@ -15283,632 +14611,10 @@
           </a:p>
         </p:txBody>
       </p:sp>
-      <p:pic>
-        <p:nvPicPr>
-          <p:cNvPr id="6" name="Imagem 5" descr="logo.jpg"/>
-          <p:cNvPicPr>
-            <a:picLocks noChangeAspect="1"/>
-          </p:cNvPicPr>
-          <p:nvPr/>
-        </p:nvPicPr>
-        <p:blipFill>
-          <a:blip r:embed="rId2"/>
-          <a:stretch>
-            <a:fillRect/>
-          </a:stretch>
-        </p:blipFill>
-        <p:spPr>
-          <a:xfrm>
-            <a:off x="9878096" y="0"/>
-            <a:ext cx="1558343" cy="1365161"/>
-          </a:xfrm>
-          <a:prstGeom prst="rect">
-            <a:avLst/>
-          </a:prstGeom>
-        </p:spPr>
-      </p:pic>
-      <p:sp>
-        <p:nvSpPr>
-          <p:cNvPr id="7" name="Marcador de Posição de Conteúdo 3"/>
-          <p:cNvSpPr txBox="1">
-            <a:spLocks/>
-          </p:cNvSpPr>
-          <p:nvPr/>
-        </p:nvSpPr>
-        <p:spPr>
-          <a:xfrm>
-            <a:off x="1307355" y="2755900"/>
-            <a:ext cx="8761412" cy="3416300"/>
-          </a:xfrm>
-          <a:prstGeom prst="rect">
-            <a:avLst/>
-          </a:prstGeom>
-        </p:spPr>
-        <p:txBody>
-          <a:bodyPr vert="horz" lIns="91440" tIns="45720" rIns="91440" bIns="45720" rtlCol="0">
-            <a:normAutofit/>
-          </a:bodyPr>
-          <a:lstStyle>
-            <a:lvl1pPr marL="342900" indent="-342900" algn="l" defTabSz="457200" rtl="0" eaLnBrk="1" latinLnBrk="0" hangingPunct="1">
-              <a:spcBef>
-                <a:spcPts val="1000"/>
-              </a:spcBef>
-              <a:spcAft>
-                <a:spcPts val="0"/>
-              </a:spcAft>
-              <a:buClr>
-                <a:schemeClr val="accent1"/>
-              </a:buClr>
-              <a:buSzPct val="80000"/>
-              <a:buFont typeface="Wingdings 3" charset="2"/>
-              <a:buChar char=""/>
-              <a:defRPr sz="1800" b="0" i="0" kern="1200">
-                <a:solidFill>
-                  <a:schemeClr val="tx1">
-                    <a:lumMod val="75000"/>
-                    <a:lumOff val="25000"/>
-                  </a:schemeClr>
-                </a:solidFill>
-                <a:latin typeface="+mn-lt"/>
-                <a:ea typeface="+mn-ea"/>
-                <a:cs typeface="+mn-cs"/>
-              </a:defRPr>
-            </a:lvl1pPr>
-            <a:lvl2pPr marL="742950" indent="-285750" algn="l" defTabSz="457200" rtl="0" eaLnBrk="1" latinLnBrk="0" hangingPunct="1">
-              <a:spcBef>
-                <a:spcPts val="1000"/>
-              </a:spcBef>
-              <a:spcAft>
-                <a:spcPts val="0"/>
-              </a:spcAft>
-              <a:buClr>
-                <a:schemeClr val="accent1"/>
-              </a:buClr>
-              <a:buSzPct val="80000"/>
-              <a:buFont typeface="Wingdings 3" charset="2"/>
-              <a:buChar char=""/>
-              <a:defRPr sz="1600" b="0" i="0" kern="1200">
-                <a:solidFill>
-                  <a:schemeClr val="tx1">
-                    <a:lumMod val="75000"/>
-                    <a:lumOff val="25000"/>
-                  </a:schemeClr>
-                </a:solidFill>
-                <a:latin typeface="+mn-lt"/>
-                <a:ea typeface="+mn-ea"/>
-                <a:cs typeface="+mn-cs"/>
-              </a:defRPr>
-            </a:lvl2pPr>
-            <a:lvl3pPr marL="1143000" indent="-228600" algn="l" defTabSz="457200" rtl="0" eaLnBrk="1" latinLnBrk="0" hangingPunct="1">
-              <a:spcBef>
-                <a:spcPts val="1000"/>
-              </a:spcBef>
-              <a:spcAft>
-                <a:spcPts val="0"/>
-              </a:spcAft>
-              <a:buClr>
-                <a:schemeClr val="accent1"/>
-              </a:buClr>
-              <a:buSzPct val="80000"/>
-              <a:buFont typeface="Wingdings 3" charset="2"/>
-              <a:buChar char=""/>
-              <a:defRPr sz="1400" b="0" i="0" kern="1200">
-                <a:solidFill>
-                  <a:schemeClr val="tx1">
-                    <a:lumMod val="75000"/>
-                    <a:lumOff val="25000"/>
-                  </a:schemeClr>
-                </a:solidFill>
-                <a:latin typeface="+mn-lt"/>
-                <a:ea typeface="+mn-ea"/>
-                <a:cs typeface="+mn-cs"/>
-              </a:defRPr>
-            </a:lvl3pPr>
-            <a:lvl4pPr marL="1600200" indent="-228600" algn="l" defTabSz="457200" rtl="0" eaLnBrk="1" latinLnBrk="0" hangingPunct="1">
-              <a:spcBef>
-                <a:spcPts val="1000"/>
-              </a:spcBef>
-              <a:spcAft>
-                <a:spcPts val="0"/>
-              </a:spcAft>
-              <a:buClr>
-                <a:schemeClr val="accent1"/>
-              </a:buClr>
-              <a:buSzPct val="80000"/>
-              <a:buFont typeface="Wingdings 3" charset="2"/>
-              <a:buChar char=""/>
-              <a:defRPr sz="1200" b="0" i="0" kern="1200">
-                <a:solidFill>
-                  <a:schemeClr val="tx1">
-                    <a:lumMod val="75000"/>
-                    <a:lumOff val="25000"/>
-                  </a:schemeClr>
-                </a:solidFill>
-                <a:latin typeface="+mn-lt"/>
-                <a:ea typeface="+mn-ea"/>
-                <a:cs typeface="+mn-cs"/>
-              </a:defRPr>
-            </a:lvl4pPr>
-            <a:lvl5pPr marL="2057400" indent="-228600" algn="l" defTabSz="457200" rtl="0" eaLnBrk="1" latinLnBrk="0" hangingPunct="1">
-              <a:spcBef>
-                <a:spcPts val="1000"/>
-              </a:spcBef>
-              <a:spcAft>
-                <a:spcPts val="0"/>
-              </a:spcAft>
-              <a:buClr>
-                <a:schemeClr val="accent1"/>
-              </a:buClr>
-              <a:buSzPct val="80000"/>
-              <a:buFont typeface="Wingdings 3" charset="2"/>
-              <a:buChar char=""/>
-              <a:defRPr sz="1200" b="0" i="0" kern="1200">
-                <a:solidFill>
-                  <a:schemeClr val="tx1">
-                    <a:lumMod val="75000"/>
-                    <a:lumOff val="25000"/>
-                  </a:schemeClr>
-                </a:solidFill>
-                <a:latin typeface="+mn-lt"/>
-                <a:ea typeface="+mn-ea"/>
-                <a:cs typeface="+mn-cs"/>
-              </a:defRPr>
-            </a:lvl5pPr>
-            <a:lvl6pPr marL="2514600" indent="-228600" algn="l" defTabSz="457200" rtl="0" eaLnBrk="1" latinLnBrk="0" hangingPunct="1">
-              <a:spcBef>
-                <a:spcPts val="1000"/>
-              </a:spcBef>
-              <a:spcAft>
-                <a:spcPts val="0"/>
-              </a:spcAft>
-              <a:buClr>
-                <a:schemeClr val="accent1"/>
-              </a:buClr>
-              <a:buSzPct val="80000"/>
-              <a:buFont typeface="Wingdings 3" charset="2"/>
-              <a:buChar char=""/>
-              <a:defRPr sz="1200" b="0" i="0" kern="1200">
-                <a:solidFill>
-                  <a:schemeClr val="tx1">
-                    <a:lumMod val="75000"/>
-                    <a:lumOff val="25000"/>
-                  </a:schemeClr>
-                </a:solidFill>
-                <a:latin typeface="+mn-lt"/>
-                <a:ea typeface="+mn-ea"/>
-                <a:cs typeface="+mn-cs"/>
-              </a:defRPr>
-            </a:lvl6pPr>
-            <a:lvl7pPr marL="2971800" indent="-228600" algn="l" defTabSz="457200" rtl="0" eaLnBrk="1" latinLnBrk="0" hangingPunct="1">
-              <a:spcBef>
-                <a:spcPts val="1000"/>
-              </a:spcBef>
-              <a:spcAft>
-                <a:spcPts val="0"/>
-              </a:spcAft>
-              <a:buClr>
-                <a:schemeClr val="accent1"/>
-              </a:buClr>
-              <a:buSzPct val="80000"/>
-              <a:buFont typeface="Wingdings 3" charset="2"/>
-              <a:buChar char=""/>
-              <a:defRPr sz="1200" b="0" i="0" kern="1200">
-                <a:solidFill>
-                  <a:schemeClr val="tx1">
-                    <a:lumMod val="75000"/>
-                    <a:lumOff val="25000"/>
-                  </a:schemeClr>
-                </a:solidFill>
-                <a:latin typeface="+mn-lt"/>
-                <a:ea typeface="+mn-ea"/>
-                <a:cs typeface="+mn-cs"/>
-              </a:defRPr>
-            </a:lvl7pPr>
-            <a:lvl8pPr marL="3429000" indent="-228600" algn="l" defTabSz="457200" rtl="0" eaLnBrk="1" latinLnBrk="0" hangingPunct="1">
-              <a:spcBef>
-                <a:spcPts val="1000"/>
-              </a:spcBef>
-              <a:spcAft>
-                <a:spcPts val="0"/>
-              </a:spcAft>
-              <a:buClr>
-                <a:schemeClr val="accent1"/>
-              </a:buClr>
-              <a:buSzPct val="80000"/>
-              <a:buFont typeface="Wingdings 3" charset="2"/>
-              <a:buChar char=""/>
-              <a:defRPr sz="1200" b="0" i="0" kern="1200">
-                <a:solidFill>
-                  <a:schemeClr val="tx1">
-                    <a:lumMod val="75000"/>
-                    <a:lumOff val="25000"/>
-                  </a:schemeClr>
-                </a:solidFill>
-                <a:latin typeface="+mn-lt"/>
-                <a:ea typeface="+mn-ea"/>
-                <a:cs typeface="+mn-cs"/>
-              </a:defRPr>
-            </a:lvl8pPr>
-            <a:lvl9pPr marL="3886200" indent="-228600" algn="l" defTabSz="457200" rtl="0" eaLnBrk="1" latinLnBrk="0" hangingPunct="1">
-              <a:spcBef>
-                <a:spcPts val="1000"/>
-              </a:spcBef>
-              <a:spcAft>
-                <a:spcPts val="0"/>
-              </a:spcAft>
-              <a:buClr>
-                <a:schemeClr val="accent1"/>
-              </a:buClr>
-              <a:buSzPct val="80000"/>
-              <a:buFont typeface="Wingdings 3" charset="2"/>
-              <a:buChar char=""/>
-              <a:defRPr sz="1200" b="0" i="0" kern="1200">
-                <a:solidFill>
-                  <a:schemeClr val="tx1">
-                    <a:lumMod val="75000"/>
-                    <a:lumOff val="25000"/>
-                  </a:schemeClr>
-                </a:solidFill>
-                <a:latin typeface="+mn-lt"/>
-                <a:ea typeface="+mn-ea"/>
-                <a:cs typeface="+mn-cs"/>
-              </a:defRPr>
-            </a:lvl9pPr>
-          </a:lstStyle>
-          <a:p>
-            <a:pPr marL="457200" lvl="1" indent="0">
-              <a:buFont typeface="Wingdings 3" charset="2"/>
-              <a:buNone/>
-            </a:pPr>
-            <a:endParaRPr lang="pt-PT" dirty="0" smtClean="0"/>
-          </a:p>
-          <a:p>
-            <a:pPr marL="457200" lvl="1" indent="0">
-              <a:buFont typeface="Wingdings 3" charset="2"/>
-              <a:buNone/>
-            </a:pPr>
-            <a:endParaRPr lang="pt-PT" sz="3200" b="1" dirty="0" smtClean="0"/>
-          </a:p>
-          <a:p>
-            <a:pPr marL="457200" lvl="1" indent="0">
-              <a:buFont typeface="Wingdings 3" charset="2"/>
-              <a:buNone/>
-            </a:pPr>
-            <a:endParaRPr lang="pt-PT" dirty="0" smtClean="0"/>
-          </a:p>
-          <a:p>
-            <a:pPr marL="457200" lvl="1" indent="0">
-              <a:buFont typeface="Wingdings 3" charset="2"/>
-              <a:buNone/>
-            </a:pPr>
-            <a:endParaRPr lang="pt-PT" dirty="0" smtClean="0"/>
-          </a:p>
-          <a:p>
-            <a:pPr marL="0" indent="0">
-              <a:buFont typeface="Wingdings 3" charset="2"/>
-              <a:buNone/>
-            </a:pPr>
-            <a:endParaRPr lang="pt-PT" dirty="0" smtClean="0"/>
-          </a:p>
-        </p:txBody>
-      </p:sp>
-      <p:pic>
-        <p:nvPicPr>
-          <p:cNvPr id="8" name="Imagem 7" descr="quadradoNumeroCodigo.jpg"/>
-          <p:cNvPicPr>
-            <a:picLocks noChangeAspect="1"/>
-          </p:cNvPicPr>
-          <p:nvPr/>
-        </p:nvPicPr>
-        <p:blipFill>
-          <a:blip r:embed="rId3"/>
-          <a:stretch>
-            <a:fillRect/>
-          </a:stretch>
-        </p:blipFill>
-        <p:spPr>
-          <a:xfrm>
-            <a:off x="321972" y="3213885"/>
-            <a:ext cx="5506189" cy="2500329"/>
-          </a:xfrm>
-          <a:prstGeom prst="rect">
-            <a:avLst/>
-          </a:prstGeom>
-        </p:spPr>
-      </p:pic>
-      <p:sp>
-        <p:nvSpPr>
-          <p:cNvPr id="9" name="Subtítulo 2"/>
-          <p:cNvSpPr txBox="1">
-            <a:spLocks/>
-          </p:cNvSpPr>
-          <p:nvPr/>
-        </p:nvSpPr>
-        <p:spPr>
-          <a:xfrm>
-            <a:off x="321972" y="2298451"/>
-            <a:ext cx="6562748" cy="657228"/>
-          </a:xfrm>
-          <a:prstGeom prst="rect">
-            <a:avLst/>
-          </a:prstGeom>
-        </p:spPr>
-        <p:txBody>
-          <a:bodyPr vert="horz" lIns="91440" tIns="45720" rIns="91440" bIns="45720" rtlCol="0">
-            <a:normAutofit/>
-          </a:bodyPr>
-          <a:lstStyle>
-            <a:lvl1pPr marL="342900" indent="-342900" algn="l" defTabSz="457200" rtl="0" eaLnBrk="1" latinLnBrk="0" hangingPunct="1">
-              <a:spcBef>
-                <a:spcPts val="1000"/>
-              </a:spcBef>
-              <a:spcAft>
-                <a:spcPts val="0"/>
-              </a:spcAft>
-              <a:buClr>
-                <a:schemeClr val="accent1"/>
-              </a:buClr>
-              <a:buSzPct val="80000"/>
-              <a:buFont typeface="Wingdings 3" charset="2"/>
-              <a:buChar char=""/>
-              <a:defRPr sz="1800" b="0" i="0" kern="1200">
-                <a:solidFill>
-                  <a:schemeClr val="tx1">
-                    <a:lumMod val="75000"/>
-                    <a:lumOff val="25000"/>
-                  </a:schemeClr>
-                </a:solidFill>
-                <a:latin typeface="+mn-lt"/>
-                <a:ea typeface="+mn-ea"/>
-                <a:cs typeface="+mn-cs"/>
-              </a:defRPr>
-            </a:lvl1pPr>
-            <a:lvl2pPr marL="742950" indent="-285750" algn="l" defTabSz="457200" rtl="0" eaLnBrk="1" latinLnBrk="0" hangingPunct="1">
-              <a:spcBef>
-                <a:spcPts val="1000"/>
-              </a:spcBef>
-              <a:spcAft>
-                <a:spcPts val="0"/>
-              </a:spcAft>
-              <a:buClr>
-                <a:schemeClr val="accent1"/>
-              </a:buClr>
-              <a:buSzPct val="80000"/>
-              <a:buFont typeface="Wingdings 3" charset="2"/>
-              <a:buChar char=""/>
-              <a:defRPr sz="1600" b="0" i="0" kern="1200">
-                <a:solidFill>
-                  <a:schemeClr val="tx1">
-                    <a:lumMod val="75000"/>
-                    <a:lumOff val="25000"/>
-                  </a:schemeClr>
-                </a:solidFill>
-                <a:latin typeface="+mn-lt"/>
-                <a:ea typeface="+mn-ea"/>
-                <a:cs typeface="+mn-cs"/>
-              </a:defRPr>
-            </a:lvl2pPr>
-            <a:lvl3pPr marL="1143000" indent="-228600" algn="l" defTabSz="457200" rtl="0" eaLnBrk="1" latinLnBrk="0" hangingPunct="1">
-              <a:spcBef>
-                <a:spcPts val="1000"/>
-              </a:spcBef>
-              <a:spcAft>
-                <a:spcPts val="0"/>
-              </a:spcAft>
-              <a:buClr>
-                <a:schemeClr val="accent1"/>
-              </a:buClr>
-              <a:buSzPct val="80000"/>
-              <a:buFont typeface="Wingdings 3" charset="2"/>
-              <a:buChar char=""/>
-              <a:defRPr sz="1400" b="0" i="0" kern="1200">
-                <a:solidFill>
-                  <a:schemeClr val="tx1">
-                    <a:lumMod val="75000"/>
-                    <a:lumOff val="25000"/>
-                  </a:schemeClr>
-                </a:solidFill>
-                <a:latin typeface="+mn-lt"/>
-                <a:ea typeface="+mn-ea"/>
-                <a:cs typeface="+mn-cs"/>
-              </a:defRPr>
-            </a:lvl3pPr>
-            <a:lvl4pPr marL="1600200" indent="-228600" algn="l" defTabSz="457200" rtl="0" eaLnBrk="1" latinLnBrk="0" hangingPunct="1">
-              <a:spcBef>
-                <a:spcPts val="1000"/>
-              </a:spcBef>
-              <a:spcAft>
-                <a:spcPts val="0"/>
-              </a:spcAft>
-              <a:buClr>
-                <a:schemeClr val="accent1"/>
-              </a:buClr>
-              <a:buSzPct val="80000"/>
-              <a:buFont typeface="Wingdings 3" charset="2"/>
-              <a:buChar char=""/>
-              <a:defRPr sz="1200" b="0" i="0" kern="1200">
-                <a:solidFill>
-                  <a:schemeClr val="tx1">
-                    <a:lumMod val="75000"/>
-                    <a:lumOff val="25000"/>
-                  </a:schemeClr>
-                </a:solidFill>
-                <a:latin typeface="+mn-lt"/>
-                <a:ea typeface="+mn-ea"/>
-                <a:cs typeface="+mn-cs"/>
-              </a:defRPr>
-            </a:lvl4pPr>
-            <a:lvl5pPr marL="2057400" indent="-228600" algn="l" defTabSz="457200" rtl="0" eaLnBrk="1" latinLnBrk="0" hangingPunct="1">
-              <a:spcBef>
-                <a:spcPts val="1000"/>
-              </a:spcBef>
-              <a:spcAft>
-                <a:spcPts val="0"/>
-              </a:spcAft>
-              <a:buClr>
-                <a:schemeClr val="accent1"/>
-              </a:buClr>
-              <a:buSzPct val="80000"/>
-              <a:buFont typeface="Wingdings 3" charset="2"/>
-              <a:buChar char=""/>
-              <a:defRPr sz="1200" b="0" i="0" kern="1200">
-                <a:solidFill>
-                  <a:schemeClr val="tx1">
-                    <a:lumMod val="75000"/>
-                    <a:lumOff val="25000"/>
-                  </a:schemeClr>
-                </a:solidFill>
-                <a:latin typeface="+mn-lt"/>
-                <a:ea typeface="+mn-ea"/>
-                <a:cs typeface="+mn-cs"/>
-              </a:defRPr>
-            </a:lvl5pPr>
-            <a:lvl6pPr marL="2514600" indent="-228600" algn="l" defTabSz="457200" rtl="0" eaLnBrk="1" latinLnBrk="0" hangingPunct="1">
-              <a:spcBef>
-                <a:spcPts val="1000"/>
-              </a:spcBef>
-              <a:spcAft>
-                <a:spcPts val="0"/>
-              </a:spcAft>
-              <a:buClr>
-                <a:schemeClr val="accent1"/>
-              </a:buClr>
-              <a:buSzPct val="80000"/>
-              <a:buFont typeface="Wingdings 3" charset="2"/>
-              <a:buChar char=""/>
-              <a:defRPr sz="1200" b="0" i="0" kern="1200">
-                <a:solidFill>
-                  <a:schemeClr val="tx1">
-                    <a:lumMod val="75000"/>
-                    <a:lumOff val="25000"/>
-                  </a:schemeClr>
-                </a:solidFill>
-                <a:latin typeface="+mn-lt"/>
-                <a:ea typeface="+mn-ea"/>
-                <a:cs typeface="+mn-cs"/>
-              </a:defRPr>
-            </a:lvl6pPr>
-            <a:lvl7pPr marL="2971800" indent="-228600" algn="l" defTabSz="457200" rtl="0" eaLnBrk="1" latinLnBrk="0" hangingPunct="1">
-              <a:spcBef>
-                <a:spcPts val="1000"/>
-              </a:spcBef>
-              <a:spcAft>
-                <a:spcPts val="0"/>
-              </a:spcAft>
-              <a:buClr>
-                <a:schemeClr val="accent1"/>
-              </a:buClr>
-              <a:buSzPct val="80000"/>
-              <a:buFont typeface="Wingdings 3" charset="2"/>
-              <a:buChar char=""/>
-              <a:defRPr sz="1200" b="0" i="0" kern="1200">
-                <a:solidFill>
-                  <a:schemeClr val="tx1">
-                    <a:lumMod val="75000"/>
-                    <a:lumOff val="25000"/>
-                  </a:schemeClr>
-                </a:solidFill>
-                <a:latin typeface="+mn-lt"/>
-                <a:ea typeface="+mn-ea"/>
-                <a:cs typeface="+mn-cs"/>
-              </a:defRPr>
-            </a:lvl7pPr>
-            <a:lvl8pPr marL="3429000" indent="-228600" algn="l" defTabSz="457200" rtl="0" eaLnBrk="1" latinLnBrk="0" hangingPunct="1">
-              <a:spcBef>
-                <a:spcPts val="1000"/>
-              </a:spcBef>
-              <a:spcAft>
-                <a:spcPts val="0"/>
-              </a:spcAft>
-              <a:buClr>
-                <a:schemeClr val="accent1"/>
-              </a:buClr>
-              <a:buSzPct val="80000"/>
-              <a:buFont typeface="Wingdings 3" charset="2"/>
-              <a:buChar char=""/>
-              <a:defRPr sz="1200" b="0" i="0" kern="1200">
-                <a:solidFill>
-                  <a:schemeClr val="tx1">
-                    <a:lumMod val="75000"/>
-                    <a:lumOff val="25000"/>
-                  </a:schemeClr>
-                </a:solidFill>
-                <a:latin typeface="+mn-lt"/>
-                <a:ea typeface="+mn-ea"/>
-                <a:cs typeface="+mn-cs"/>
-              </a:defRPr>
-            </a:lvl8pPr>
-            <a:lvl9pPr marL="3886200" indent="-228600" algn="l" defTabSz="457200" rtl="0" eaLnBrk="1" latinLnBrk="0" hangingPunct="1">
-              <a:spcBef>
-                <a:spcPts val="1000"/>
-              </a:spcBef>
-              <a:spcAft>
-                <a:spcPts val="0"/>
-              </a:spcAft>
-              <a:buClr>
-                <a:schemeClr val="accent1"/>
-              </a:buClr>
-              <a:buSzPct val="80000"/>
-              <a:buFont typeface="Wingdings 3" charset="2"/>
-              <a:buChar char=""/>
-              <a:defRPr sz="1200" b="0" i="0" kern="1200">
-                <a:solidFill>
-                  <a:schemeClr val="tx1">
-                    <a:lumMod val="75000"/>
-                    <a:lumOff val="25000"/>
-                  </a:schemeClr>
-                </a:solidFill>
-                <a:latin typeface="+mn-lt"/>
-                <a:ea typeface="+mn-ea"/>
-                <a:cs typeface="+mn-cs"/>
-              </a:defRPr>
-            </a:lvl9pPr>
-          </a:lstStyle>
-          <a:p>
-            <a:r>
-              <a:rPr lang="pt-PT" b="1" dirty="0" smtClean="0">
-                <a:solidFill>
-                  <a:schemeClr val="tx1"/>
-                </a:solidFill>
-              </a:rPr>
-              <a:t>Pergunta: Realizar o quadrado de um numero?</a:t>
-            </a:r>
-            <a:endParaRPr lang="pt-PT" b="1" dirty="0">
-              <a:solidFill>
-                <a:schemeClr val="tx1"/>
-              </a:solidFill>
-            </a:endParaRPr>
-          </a:p>
-        </p:txBody>
-      </p:sp>
-      <p:pic>
-        <p:nvPicPr>
-          <p:cNvPr id="10" name="Imagem 9" descr="quadradoNumero.jpg"/>
-          <p:cNvPicPr>
-            <a:picLocks noChangeAspect="1"/>
-          </p:cNvPicPr>
-          <p:nvPr/>
-        </p:nvPicPr>
-        <p:blipFill>
-          <a:blip r:embed="rId4"/>
-          <a:stretch>
-            <a:fillRect/>
-          </a:stretch>
-        </p:blipFill>
-        <p:spPr>
-          <a:xfrm>
-            <a:off x="7819292" y="2466177"/>
-            <a:ext cx="3131052" cy="3661739"/>
-          </a:xfrm>
-          <a:prstGeom prst="rect">
-            <a:avLst/>
-          </a:prstGeom>
-        </p:spPr>
-      </p:pic>
     </p:spTree>
     <p:extLst>
       <p:ext uri="{BB962C8B-B14F-4D97-AF65-F5344CB8AC3E}">
-        <p14:creationId xmlns:p14="http://schemas.microsoft.com/office/powerpoint/2010/main" xmlns="" val="3110744747"/>
+        <p14:creationId xmlns:p14="http://schemas.microsoft.com/office/powerpoint/2010/main" xmlns="" val="1904567464"/>
       </p:ext>
     </p:extLst>
   </p:cSld>
@@ -15952,30 +14658,88 @@
             <p:ph type="title"/>
           </p:nvPr>
         </p:nvSpPr>
-        <p:spPr>
-          <a:xfrm>
-            <a:off x="1116316" y="1115336"/>
-            <a:ext cx="8761413" cy="706964"/>
-          </a:xfrm>
-        </p:spPr>
+        <p:spPr/>
+        <p:txBody>
+          <a:bodyPr/>
+          <a:lstStyle/>
+          <a:p>
+            <a:r>
+              <a:rPr lang="pt-PT" dirty="0" err="1" smtClean="0"/>
+              <a:t>CouchDB</a:t>
+            </a:r>
+            <a:endParaRPr lang="pt-PT" dirty="0"/>
+          </a:p>
+        </p:txBody>
+      </p:sp>
+      <p:sp>
+        <p:nvSpPr>
+          <p:cNvPr id="4" name="Marcador de Posição de Conteúdo 3"/>
+          <p:cNvSpPr>
+            <a:spLocks noGrp="1"/>
+          </p:cNvSpPr>
+          <p:nvPr>
+            <p:ph idx="1"/>
+          </p:nvPr>
+        </p:nvSpPr>
+        <p:spPr/>
         <p:txBody>
           <a:bodyPr>
             <a:normAutofit/>
           </a:bodyPr>
           <a:lstStyle/>
           <a:p>
+            <a:pPr marL="457200" lvl="1" indent="0">
+              <a:buNone/>
+            </a:pPr>
+            <a:endParaRPr lang="pt-PT" dirty="0" smtClean="0"/>
+          </a:p>
+          <a:p>
+            <a:pPr lvl="1">
+              <a:buFont typeface="Wingdings" pitchFamily="2" charset="2"/>
+              <a:buChar char="v"/>
+            </a:pPr>
             <a:r>
-              <a:rPr lang="pt-PT" dirty="0" smtClean="0"/>
-              <a:t>Base de Dados</a:t>
+              <a:rPr lang="pt-PT" sz="2400" b="1" dirty="0" smtClean="0"/>
+              <a:t>Base de dados com dados provenientes do IDE</a:t>
             </a:r>
-            <a:endParaRPr lang="pt-PT" dirty="0">
-              <a:solidFill>
-                <a:schemeClr val="tx1">
-                  <a:lumMod val="75000"/>
-                  <a:lumOff val="25000"/>
-                </a:schemeClr>
-              </a:solidFill>
-            </a:endParaRPr>
+          </a:p>
+          <a:p>
+            <a:pPr lvl="1">
+              <a:buFont typeface="Wingdings" pitchFamily="2" charset="2"/>
+              <a:buChar char="v"/>
+            </a:pPr>
+            <a:endParaRPr lang="pt-PT" sz="2400" b="1" dirty="0" smtClean="0"/>
+          </a:p>
+          <a:p>
+            <a:pPr lvl="1">
+              <a:buFont typeface="Wingdings" pitchFamily="2" charset="2"/>
+              <a:buChar char="v"/>
+            </a:pPr>
+            <a:endParaRPr lang="pt-PT" sz="2400" b="1" dirty="0" smtClean="0"/>
+          </a:p>
+          <a:p>
+            <a:pPr marL="457200" lvl="1" indent="0">
+              <a:buNone/>
+            </a:pPr>
+            <a:endParaRPr lang="pt-PT" sz="3200" b="1" dirty="0" smtClean="0"/>
+          </a:p>
+          <a:p>
+            <a:pPr marL="457200" lvl="1" indent="0">
+              <a:buNone/>
+            </a:pPr>
+            <a:endParaRPr lang="pt-PT" dirty="0" smtClean="0"/>
+          </a:p>
+          <a:p>
+            <a:pPr marL="457200" lvl="1" indent="0">
+              <a:buNone/>
+            </a:pPr>
+            <a:endParaRPr lang="pt-PT" dirty="0" smtClean="0"/>
+          </a:p>
+          <a:p>
+            <a:pPr marL="0" indent="0">
+              <a:buNone/>
+            </a:pPr>
+            <a:endParaRPr lang="pt-PT" dirty="0" smtClean="0"/>
           </a:p>
         </p:txBody>
       </p:sp>
@@ -15988,7 +14752,7 @@
         <p:spPr>
           <a:xfrm>
             <a:off x="321972" y="6293407"/>
-            <a:ext cx="3773510" cy="338554"/>
+            <a:ext cx="3970628" cy="338554"/>
           </a:xfrm>
           <a:prstGeom prst="rect">
             <a:avLst/>
@@ -16009,7 +14773,7 @@
                   </a:schemeClr>
                 </a:solidFill>
               </a:rPr>
-              <a:t>Primary</a:t>
+              <a:t>CouchDB</a:t>
             </a:r>
             <a:r>
               <a:rPr lang="pt-PT" sz="1600" dirty="0" smtClean="0">
@@ -16019,17 +14783,7 @@
                   </a:schemeClr>
                 </a:solidFill>
               </a:rPr>
-              <a:t> </a:t>
-            </a:r>
-            <a:r>
-              <a:rPr lang="pt-PT" sz="1600" smtClean="0">
-                <a:solidFill>
-                  <a:schemeClr val="bg1">
-                    <a:lumMod val="65000"/>
-                  </a:schemeClr>
-                </a:solidFill>
-              </a:rPr>
-              <a:t>Key</a:t>
+              <a:t> “Bem-vindo ao descanso”</a:t>
             </a:r>
             <a:endParaRPr lang="pt-PT" sz="1600" dirty="0">
               <a:solidFill>
@@ -16041,211 +14795,10 @@
           </a:p>
         </p:txBody>
       </p:sp>
-      <p:pic>
-        <p:nvPicPr>
-          <p:cNvPr id="9" name="Imagem 8" descr="logo.jpg"/>
-          <p:cNvPicPr>
-            <a:picLocks noChangeAspect="1"/>
-          </p:cNvPicPr>
-          <p:nvPr/>
-        </p:nvPicPr>
-        <p:blipFill>
-          <a:blip r:embed="rId2"/>
-          <a:stretch>
-            <a:fillRect/>
-          </a:stretch>
-        </p:blipFill>
-        <p:spPr>
-          <a:xfrm>
-            <a:off x="9878096" y="0"/>
-            <a:ext cx="1558343" cy="1365161"/>
-          </a:xfrm>
-          <a:prstGeom prst="rect">
-            <a:avLst/>
-          </a:prstGeom>
-        </p:spPr>
-      </p:pic>
-      <p:sp>
-        <p:nvSpPr>
-          <p:cNvPr id="10" name="Marcador de Posição de Conteúdo 9"/>
-          <p:cNvSpPr>
-            <a:spLocks noGrp="1"/>
-          </p:cNvSpPr>
-          <p:nvPr>
-            <p:ph sz="half" idx="1"/>
-          </p:nvPr>
-        </p:nvSpPr>
-        <p:spPr>
-          <a:xfrm>
-            <a:off x="1154953" y="2603501"/>
-            <a:ext cx="10544677" cy="927100"/>
-          </a:xfrm>
-        </p:spPr>
-        <p:txBody>
-          <a:bodyPr/>
-          <a:lstStyle/>
-          <a:p>
-            <a:r>
-              <a:rPr lang="pt-PT" dirty="0" smtClean="0"/>
-              <a:t>O Sistema de Gestão de Base de Dados (SGBD) utilizado foi o </a:t>
-            </a:r>
-            <a:r>
-              <a:rPr lang="pt-PT" b="1" dirty="0" err="1" smtClean="0"/>
-              <a:t>MySQL</a:t>
-            </a:r>
-            <a:r>
-              <a:rPr lang="pt-PT" dirty="0" smtClean="0"/>
-              <a:t>, com a utilização do </a:t>
-            </a:r>
-            <a:r>
-              <a:rPr lang="pt-PT" dirty="0" err="1" smtClean="0"/>
-              <a:t>phpMyAdmin</a:t>
-            </a:r>
-            <a:r>
-              <a:rPr lang="pt-PT" dirty="0" smtClean="0"/>
-              <a:t> para facilitar a gestão da Base de Dados.</a:t>
-            </a:r>
-          </a:p>
-          <a:p>
-            <a:pPr>
-              <a:buNone/>
-            </a:pPr>
-            <a:endParaRPr lang="pt-PT" dirty="0"/>
-          </a:p>
-        </p:txBody>
-      </p:sp>
-      <p:sp>
-        <p:nvSpPr>
-          <p:cNvPr id="3" name="CaixaDeTexto 2"/>
-          <p:cNvSpPr txBox="1"/>
-          <p:nvPr/>
-        </p:nvSpPr>
-        <p:spPr>
-          <a:xfrm>
-            <a:off x="853125" y="3614778"/>
-            <a:ext cx="3591875" cy="2308324"/>
-          </a:xfrm>
-          <a:prstGeom prst="rect">
-            <a:avLst/>
-          </a:prstGeom>
-          <a:noFill/>
-        </p:spPr>
-        <p:txBody>
-          <a:bodyPr wrap="square" rtlCol="0">
-            <a:spAutoFit/>
-          </a:bodyPr>
-          <a:lstStyle/>
-          <a:p>
-            <a:r>
-              <a:rPr lang="en-US" dirty="0"/>
-              <a:t>CREATE TABLE IF NOT EXISTS `</a:t>
-            </a:r>
-            <a:r>
-              <a:rPr lang="en-US" dirty="0" err="1"/>
-              <a:t>capitulo</a:t>
-            </a:r>
-            <a:r>
-              <a:rPr lang="en-US" dirty="0"/>
-              <a:t>` (  `Id` </a:t>
-            </a:r>
-            <a:r>
-              <a:rPr lang="en-US" dirty="0" err="1"/>
-              <a:t>int</a:t>
-            </a:r>
-            <a:r>
-              <a:rPr lang="en-US" dirty="0"/>
-              <a:t>(11) NOT NULL AUTO_INCREMENT,  `Nome` </a:t>
-            </a:r>
-            <a:r>
-              <a:rPr lang="en-US" dirty="0" err="1"/>
-              <a:t>varchar</a:t>
-            </a:r>
-            <a:r>
-              <a:rPr lang="en-US" dirty="0"/>
-              <a:t>(255) NOT NULL,  `</a:t>
-            </a:r>
-            <a:r>
-              <a:rPr lang="en-US" dirty="0" err="1"/>
-              <a:t>Descricao</a:t>
-            </a:r>
-            <a:r>
-              <a:rPr lang="en-US" dirty="0"/>
-              <a:t>` </a:t>
-            </a:r>
-            <a:r>
-              <a:rPr lang="en-US" dirty="0" err="1"/>
-              <a:t>varchar</a:t>
-            </a:r>
-            <a:r>
-              <a:rPr lang="en-US" dirty="0"/>
-              <a:t>(255) NOT NULL,  PRIMARY KEY (`Id`)) ENGINE=</a:t>
-            </a:r>
-            <a:r>
-              <a:rPr lang="en-US" dirty="0" err="1"/>
-              <a:t>InnoDB</a:t>
-            </a:r>
-            <a:r>
-              <a:rPr lang="en-US" dirty="0"/>
-              <a:t>;</a:t>
-            </a:r>
-            <a:endParaRPr lang="pt-PT" dirty="0"/>
-          </a:p>
-        </p:txBody>
-      </p:sp>
-      <p:sp>
-        <p:nvSpPr>
-          <p:cNvPr id="4" name="CaixaDeTexto 3"/>
-          <p:cNvSpPr txBox="1"/>
-          <p:nvPr/>
-        </p:nvSpPr>
-        <p:spPr>
-          <a:xfrm>
-            <a:off x="5435600" y="4089400"/>
-            <a:ext cx="184731" cy="369332"/>
-          </a:xfrm>
-          <a:prstGeom prst="rect">
-            <a:avLst/>
-          </a:prstGeom>
-          <a:noFill/>
-        </p:spPr>
-        <p:txBody>
-          <a:bodyPr wrap="none" rtlCol="0">
-            <a:spAutoFit/>
-          </a:bodyPr>
-          <a:lstStyle/>
-          <a:p>
-            <a:endParaRPr lang="pt-PT" dirty="0"/>
-          </a:p>
-        </p:txBody>
-      </p:sp>
-      <p:pic>
-        <p:nvPicPr>
-          <p:cNvPr id="5" name="Imagem 4"/>
-          <p:cNvPicPr>
-            <a:picLocks noChangeAspect="1"/>
-          </p:cNvPicPr>
-          <p:nvPr/>
-        </p:nvPicPr>
-        <p:blipFill>
-          <a:blip r:embed="rId3"/>
-          <a:stretch>
-            <a:fillRect/>
-          </a:stretch>
-        </p:blipFill>
-        <p:spPr>
-          <a:xfrm>
-            <a:off x="5311537" y="3838126"/>
-            <a:ext cx="6124902" cy="1861629"/>
-          </a:xfrm>
-          <a:prstGeom prst="rect">
-            <a:avLst/>
-          </a:prstGeom>
-        </p:spPr>
-      </p:pic>
     </p:spTree>
     <p:extLst>
       <p:ext uri="{BB962C8B-B14F-4D97-AF65-F5344CB8AC3E}">
-        <p14:creationId xmlns:p14="http://schemas.microsoft.com/office/powerpoint/2010/main" xmlns="" val="3505641894"/>
+        <p14:creationId xmlns:p14="http://schemas.microsoft.com/office/powerpoint/2010/main" xmlns="" val="1904567464"/>
       </p:ext>
     </p:extLst>
   </p:cSld>
@@ -16281,14 +14834,33 @@
       </p:grpSpPr>
       <p:sp>
         <p:nvSpPr>
-          <p:cNvPr id="5" name="CaixaDeTexto 4"/>
+          <p:cNvPr id="2" name="Title 1"/>
+          <p:cNvSpPr>
+            <a:spLocks noGrp="1"/>
+          </p:cNvSpPr>
+          <p:nvPr>
+            <p:ph type="title"/>
+          </p:nvPr>
+        </p:nvSpPr>
+        <p:spPr/>
+        <p:txBody>
+          <a:bodyPr/>
+          <a:lstStyle/>
+          <a:p>
+            <a:endParaRPr lang="pt-PT" dirty="0"/>
+          </a:p>
+        </p:txBody>
+      </p:sp>
+      <p:sp>
+        <p:nvSpPr>
+          <p:cNvPr id="7" name="CaixaDeTexto 6"/>
           <p:cNvSpPr txBox="1"/>
           <p:nvPr/>
         </p:nvSpPr>
         <p:spPr>
           <a:xfrm>
             <a:off x="321972" y="6293407"/>
-            <a:ext cx="3773510" cy="584775"/>
+            <a:ext cx="3970628" cy="338554"/>
           </a:xfrm>
           <a:prstGeom prst="rect">
             <a:avLst/>
@@ -16309,7 +14881,7 @@
                   </a:schemeClr>
                 </a:solidFill>
               </a:rPr>
-              <a:t>Primary</a:t>
+              <a:t>CouchDB</a:t>
             </a:r>
             <a:r>
               <a:rPr lang="pt-PT" sz="1600" dirty="0" smtClean="0">
@@ -16319,27 +14891,8 @@
                   </a:schemeClr>
                 </a:solidFill>
               </a:rPr>
-              <a:t> </a:t>
+              <a:t> “Bem-vindo ao descanso”</a:t>
             </a:r>
-            <a:r>
-              <a:rPr lang="pt-PT" sz="1600" dirty="0" err="1" smtClean="0">
-                <a:solidFill>
-                  <a:schemeClr val="bg1">
-                    <a:lumMod val="65000"/>
-                  </a:schemeClr>
-                </a:solidFill>
-              </a:rPr>
-              <a:t>Key</a:t>
-            </a:r>
-            <a:endParaRPr lang="pt-PT" sz="1600" dirty="0" smtClean="0">
-              <a:solidFill>
-                <a:schemeClr val="bg1">
-                  <a:lumMod val="65000"/>
-                </a:schemeClr>
-              </a:solidFill>
-            </a:endParaRPr>
-          </a:p>
-          <a:p>
             <a:endParaRPr lang="pt-PT" sz="1600" dirty="0">
               <a:solidFill>
                 <a:schemeClr val="bg1">
@@ -16352,44 +14905,16 @@
       </p:sp>
       <p:pic>
         <p:nvPicPr>
-          <p:cNvPr id="6" name="Imagem 5" descr="logo.jpg"/>
+          <p:cNvPr id="1026" name="Picture 2"/>
           <p:cNvPicPr>
-            <a:picLocks noChangeAspect="1"/>
+            <a:picLocks noGrp="1" noChangeAspect="1" noChangeArrowheads="1"/>
           </p:cNvPicPr>
-          <p:nvPr/>
+          <p:nvPr>
+            <p:ph idx="1"/>
+          </p:nvPr>
         </p:nvPicPr>
         <p:blipFill>
           <a:blip r:embed="rId2"/>
-          <a:stretch>
-            <a:fillRect/>
-          </a:stretch>
-        </p:blipFill>
-        <p:spPr>
-          <a:xfrm>
-            <a:off x="9878096" y="0"/>
-            <a:ext cx="1558343" cy="1365161"/>
-          </a:xfrm>
-          <a:prstGeom prst="rect">
-            <a:avLst/>
-          </a:prstGeom>
-        </p:spPr>
-      </p:pic>
-      <p:pic>
-        <p:nvPicPr>
-          <p:cNvPr id="1026" name="Picture 2" descr="C:\Users\paulinho!!!\Dropbox\PSI[BD]\BASE_DADOS_ACTUALIZADA\ModeloDados_PSI.png"/>
-          <p:cNvPicPr>
-            <a:picLocks noChangeAspect="1" noChangeArrowheads="1"/>
-          </p:cNvPicPr>
-          <p:nvPr/>
-        </p:nvPicPr>
-        <p:blipFill>
-          <a:blip r:embed="rId3">
-            <a:extLst>
-              <a:ext uri="{28A0092B-C50C-407E-A947-70E740481C1C}">
-                <a14:useLocalDpi xmlns:a14="http://schemas.microsoft.com/office/drawing/2010/main" xmlns="" val="0"/>
-              </a:ext>
-            </a:extLst>
-          </a:blip>
           <a:srcRect/>
           <a:stretch>
             <a:fillRect/>
@@ -16397,65 +14922,25 @@
         </p:blipFill>
         <p:spPr bwMode="auto">
           <a:xfrm>
-            <a:off x="321972" y="1568411"/>
-            <a:ext cx="11514428" cy="4723357"/>
+            <a:off x="560230" y="457200"/>
+            <a:ext cx="10501470" cy="5894636"/>
           </a:xfrm>
           <a:prstGeom prst="rect">
             <a:avLst/>
           </a:prstGeom>
           <a:noFill/>
-          <a:extLst>
-            <a:ext uri="{909E8E84-426E-40DD-AFC4-6F175D3DCCD1}">
-              <a14:hiddenFill xmlns:a14="http://schemas.microsoft.com/office/drawing/2010/main" xmlns="">
-                <a:solidFill>
-                  <a:srgbClr val="FFFFFF"/>
-                </a:solidFill>
-              </a14:hiddenFill>
-            </a:ext>
-          </a:extLst>
+          <a:ln w="9525">
+            <a:noFill/>
+            <a:miter lim="800000"/>
+            <a:headEnd/>
+            <a:tailEnd/>
+          </a:ln>
         </p:spPr>
       </p:pic>
-      <p:sp>
-        <p:nvSpPr>
-          <p:cNvPr id="7" name="Rectângulo 6"/>
-          <p:cNvSpPr/>
-          <p:nvPr/>
-        </p:nvSpPr>
-        <p:spPr>
-          <a:xfrm>
-            <a:off x="604546" y="720469"/>
-            <a:ext cx="4253087" cy="646331"/>
-          </a:xfrm>
-          <a:prstGeom prst="rect">
-            <a:avLst/>
-          </a:prstGeom>
-        </p:spPr>
-        <p:txBody>
-          <a:bodyPr wrap="none">
-            <a:spAutoFit/>
-          </a:bodyPr>
-          <a:lstStyle/>
-          <a:p>
-            <a:r>
-              <a:rPr lang="pt-PT" sz="3600" dirty="0" smtClean="0">
-                <a:solidFill>
-                  <a:schemeClr val="bg1"/>
-                </a:solidFill>
-              </a:rPr>
-              <a:t>Modelo de Dados</a:t>
-            </a:r>
-            <a:endParaRPr lang="pt-PT" sz="3600" dirty="0">
-              <a:solidFill>
-                <a:schemeClr val="bg1"/>
-              </a:solidFill>
-            </a:endParaRPr>
-          </a:p>
-        </p:txBody>
-      </p:sp>
     </p:spTree>
     <p:extLst>
       <p:ext uri="{BB962C8B-B14F-4D97-AF65-F5344CB8AC3E}">
-        <p14:creationId xmlns:p14="http://schemas.microsoft.com/office/powerpoint/2010/main" xmlns="" val="427449732"/>
+        <p14:creationId xmlns:p14="http://schemas.microsoft.com/office/powerpoint/2010/main" xmlns="" val="1904567464"/>
       </p:ext>
     </p:extLst>
   </p:cSld>
@@ -16491,7 +14976,7 @@
       </p:grpSpPr>
       <p:sp>
         <p:nvSpPr>
-          <p:cNvPr id="2" name="Título 1"/>
+          <p:cNvPr id="2" name="Title 1"/>
           <p:cNvSpPr>
             <a:spLocks noGrp="1"/>
           </p:cNvSpPr>
@@ -16505,8 +14990,8 @@
           <a:lstStyle/>
           <a:p>
             <a:r>
-              <a:rPr lang="pt-PT" dirty="0" smtClean="0"/>
-              <a:t>BackOffice</a:t>
+              <a:rPr lang="pt-PT" dirty="0" err="1" smtClean="0"/>
+              <a:t>CouchDB</a:t>
             </a:r>
             <a:endParaRPr lang="pt-PT" dirty="0"/>
           </a:p>
@@ -16519,137 +15004,127 @@
             <a:spLocks noGrp="1"/>
           </p:cNvSpPr>
           <p:nvPr>
-            <p:ph sz="half" idx="2"/>
+            <p:ph idx="1"/>
           </p:nvPr>
         </p:nvSpPr>
-        <p:spPr>
-          <a:xfrm>
-            <a:off x="487851" y="2321169"/>
-            <a:ext cx="11270395" cy="4021016"/>
-          </a:xfrm>
-        </p:spPr>
+        <p:spPr/>
         <p:txBody>
           <a:bodyPr>
             <a:normAutofit/>
           </a:bodyPr>
           <a:lstStyle/>
           <a:p>
-            <a:r>
-              <a:rPr lang="pt-PT" b="1" dirty="0"/>
-              <a:t>BackOffice</a:t>
-            </a:r>
-            <a:r>
-              <a:rPr lang="pt-PT" b="1" dirty="0" smtClean="0"/>
-              <a:t>: </a:t>
-            </a:r>
-            <a:r>
-              <a:rPr lang="pt-PT" dirty="0" smtClean="0"/>
-              <a:t>Esta parte do </a:t>
-            </a:r>
-            <a:r>
-              <a:rPr lang="pt-PT" dirty="0" err="1" smtClean="0"/>
-              <a:t>WebSite</a:t>
-            </a:r>
-            <a:r>
-              <a:rPr lang="pt-PT" dirty="0" smtClean="0"/>
-              <a:t> permitirá a inserção, edição e remoção de Dados de maneira mais fácil e prática!</a:t>
-            </a:r>
-          </a:p>
-          <a:p>
-            <a:pPr>
+            <a:pPr marL="457200" lvl="1" indent="0">
               <a:buNone/>
             </a:pPr>
             <a:endParaRPr lang="pt-PT" dirty="0" smtClean="0"/>
           </a:p>
           <a:p>
+            <a:pPr lvl="1">
+              <a:buFont typeface="Wingdings" pitchFamily="2" charset="2"/>
+              <a:buChar char="v"/>
+            </a:pPr>
             <a:r>
-              <a:rPr lang="pt-PT" dirty="0" smtClean="0"/>
-              <a:t>Podemos Inserir, editar e remover:</a:t>
+              <a:rPr lang="pt-PT" sz="2400" b="1" dirty="0" smtClean="0"/>
+              <a:t>Um ficheiro da base de dados com dados provenientes do IDE</a:t>
             </a:r>
           </a:p>
           <a:p>
-            <a:pPr lvl="2"/>
-            <a:r>
-              <a:rPr lang="pt-PT" dirty="0" smtClean="0"/>
-              <a:t>Capítulos</a:t>
-            </a:r>
-          </a:p>
-          <a:p>
-            <a:pPr lvl="2"/>
-            <a:r>
-              <a:rPr lang="pt-PT" dirty="0" smtClean="0"/>
-              <a:t>Perguntas</a:t>
-            </a:r>
-          </a:p>
-          <a:p>
-            <a:pPr lvl="2"/>
-            <a:r>
-              <a:rPr lang="pt-PT" dirty="0" smtClean="0"/>
-              <a:t>Soluções</a:t>
-            </a:r>
-          </a:p>
-          <a:p>
-            <a:pPr lvl="2"/>
-            <a:r>
-              <a:rPr lang="pt-PT" dirty="0" smtClean="0"/>
-              <a:t>Testes</a:t>
-            </a:r>
-          </a:p>
-          <a:p>
-            <a:pPr lvl="2">
+            <a:pPr lvl="1">
+              <a:buFont typeface="Wingdings" pitchFamily="2" charset="2"/>
+              <a:buChar char="v"/>
+            </a:pPr>
+            <a:endParaRPr lang="pt-PT" sz="2400" b="1" dirty="0" smtClean="0"/>
+          </a:p>
+          <a:p>
+            <a:pPr lvl="1">
+              <a:buFont typeface="Wingdings" pitchFamily="2" charset="2"/>
+              <a:buChar char="v"/>
+            </a:pPr>
+            <a:endParaRPr lang="pt-PT" sz="2400" b="1" dirty="0" smtClean="0"/>
+          </a:p>
+          <a:p>
+            <a:pPr marL="457200" lvl="1" indent="0">
+              <a:buNone/>
+            </a:pPr>
+            <a:endParaRPr lang="pt-PT" sz="3200" b="1" dirty="0" smtClean="0"/>
+          </a:p>
+          <a:p>
+            <a:pPr marL="457200" lvl="1" indent="0">
               <a:buNone/>
             </a:pPr>
             <a:endParaRPr lang="pt-PT" dirty="0" smtClean="0"/>
           </a:p>
           <a:p>
-            <a:r>
-              <a:rPr lang="pt-PT" dirty="0" smtClean="0"/>
-              <a:t>Podemos ainda gerar enunciados de teste em PDF</a:t>
-            </a:r>
-          </a:p>
-          <a:p>
-            <a:pPr lvl="2"/>
-            <a:endParaRPr lang="pt-PT" dirty="0" smtClean="0"/>
-          </a:p>
-          <a:p>
-            <a:pPr>
+            <a:pPr marL="457200" lvl="1" indent="0">
               <a:buNone/>
             </a:pPr>
             <a:endParaRPr lang="pt-PT" dirty="0" smtClean="0"/>
           </a:p>
           <a:p>
-            <a:endParaRPr lang="pt-PT" dirty="0"/>
+            <a:pPr marL="0" indent="0">
+              <a:buNone/>
+            </a:pPr>
+            <a:endParaRPr lang="pt-PT" dirty="0" smtClean="0"/>
           </a:p>
         </p:txBody>
       </p:sp>
-      <p:pic>
-        <p:nvPicPr>
-          <p:cNvPr id="7" name="Imagem 6" descr="logo.jpg"/>
-          <p:cNvPicPr>
-            <a:picLocks noChangeAspect="1"/>
-          </p:cNvPicPr>
+      <p:sp>
+        <p:nvSpPr>
+          <p:cNvPr id="7" name="CaixaDeTexto 6"/>
+          <p:cNvSpPr txBox="1"/>
           <p:nvPr/>
-        </p:nvPicPr>
-        <p:blipFill>
-          <a:blip r:embed="rId2"/>
-          <a:stretch>
-            <a:fillRect/>
-          </a:stretch>
-        </p:blipFill>
+        </p:nvSpPr>
         <p:spPr>
           <a:xfrm>
-            <a:off x="9878096" y="0"/>
-            <a:ext cx="1558343" cy="1365161"/>
+            <a:off x="321972" y="6293407"/>
+            <a:ext cx="3970628" cy="338554"/>
           </a:xfrm>
           <a:prstGeom prst="rect">
             <a:avLst/>
           </a:prstGeom>
+          <a:noFill/>
         </p:spPr>
-      </p:pic>
+        <p:txBody>
+          <a:bodyPr wrap="square" rtlCol="0">
+            <a:spAutoFit/>
+          </a:bodyPr>
+          <a:lstStyle/>
+          <a:p>
+            <a:r>
+              <a:rPr lang="pt-PT" sz="1600" dirty="0" err="1" smtClean="0">
+                <a:solidFill>
+                  <a:schemeClr val="bg1">
+                    <a:lumMod val="65000"/>
+                  </a:schemeClr>
+                </a:solidFill>
+              </a:rPr>
+              <a:t>CouchDB</a:t>
+            </a:r>
+            <a:r>
+              <a:rPr lang="pt-PT" sz="1600" dirty="0" smtClean="0">
+                <a:solidFill>
+                  <a:schemeClr val="bg1">
+                    <a:lumMod val="65000"/>
+                  </a:schemeClr>
+                </a:solidFill>
+              </a:rPr>
+              <a:t> “Bem-vindo ao descanso”</a:t>
+            </a:r>
+            <a:endParaRPr lang="pt-PT" sz="1600" dirty="0">
+              <a:solidFill>
+                <a:schemeClr val="bg1">
+                  <a:lumMod val="65000"/>
+                </a:schemeClr>
+              </a:solidFill>
+            </a:endParaRPr>
+          </a:p>
+        </p:txBody>
+      </p:sp>
     </p:spTree>
     <p:extLst>
       <p:ext uri="{BB962C8B-B14F-4D97-AF65-F5344CB8AC3E}">
-        <p14:creationId xmlns:p14="http://schemas.microsoft.com/office/powerpoint/2010/main" xmlns="" val="3126559447"/>
+        <p14:creationId xmlns:p14="http://schemas.microsoft.com/office/powerpoint/2010/main" xmlns="" val="1904567464"/>
       </p:ext>
     </p:extLst>
   </p:cSld>
@@ -16698,130 +15173,62 @@
           <a:bodyPr/>
           <a:lstStyle/>
           <a:p>
-            <a:r>
-              <a:rPr lang="pt-PT" dirty="0" smtClean="0"/>
-              <a:t>Exemplos</a:t>
-            </a:r>
-            <a:endParaRPr lang="pt-PT" dirty="0"/>
+            <a:endParaRPr lang="pt-PT"/>
           </a:p>
         </p:txBody>
       </p:sp>
       <p:sp>
         <p:nvSpPr>
-          <p:cNvPr id="5" name="CaixaDeTexto 4"/>
-          <p:cNvSpPr txBox="1"/>
+          <p:cNvPr id="3" name="Marcador de Posição de Conteúdo 2"/>
+          <p:cNvSpPr>
+            <a:spLocks noGrp="1"/>
+          </p:cNvSpPr>
+          <p:nvPr>
+            <p:ph idx="1"/>
+          </p:nvPr>
+        </p:nvSpPr>
+        <p:spPr/>
+        <p:txBody>
+          <a:bodyPr/>
+          <a:lstStyle/>
+          <a:p>
+            <a:endParaRPr lang="pt-PT"/>
+          </a:p>
+        </p:txBody>
+      </p:sp>
+      <p:pic>
+        <p:nvPicPr>
+          <p:cNvPr id="2050" name="Picture 2"/>
+          <p:cNvPicPr>
+            <a:picLocks noChangeAspect="1" noChangeArrowheads="1"/>
+          </p:cNvPicPr>
           <p:nvPr/>
-        </p:nvSpPr>
-        <p:spPr>
+        </p:nvPicPr>
+        <p:blipFill>
+          <a:blip r:embed="rId2"/>
+          <a:srcRect/>
+          <a:stretch>
+            <a:fillRect/>
+          </a:stretch>
+        </p:blipFill>
+        <p:spPr bwMode="auto">
           <a:xfrm>
-            <a:off x="321972" y="6293407"/>
-            <a:ext cx="3773510" cy="338554"/>
+            <a:off x="2017713" y="198761"/>
+            <a:ext cx="4535487" cy="6460253"/>
           </a:xfrm>
           <a:prstGeom prst="rect">
             <a:avLst/>
           </a:prstGeom>
           <a:noFill/>
-        </p:spPr>
-        <p:txBody>
-          <a:bodyPr wrap="square" rtlCol="0">
-            <a:spAutoFit/>
-          </a:bodyPr>
-          <a:lstStyle/>
-          <a:p>
-            <a:r>
-              <a:rPr lang="pt-PT" sz="1600" dirty="0" err="1" smtClean="0">
-                <a:solidFill>
-                  <a:schemeClr val="bg1">
-                    <a:lumMod val="65000"/>
-                  </a:schemeClr>
-                </a:solidFill>
-              </a:rPr>
-              <a:t>Primary</a:t>
-            </a:r>
-            <a:r>
-              <a:rPr lang="pt-PT" sz="1600" dirty="0" smtClean="0">
-                <a:solidFill>
-                  <a:schemeClr val="bg1">
-                    <a:lumMod val="65000"/>
-                  </a:schemeClr>
-                </a:solidFill>
-              </a:rPr>
-              <a:t> </a:t>
-            </a:r>
-            <a:r>
-              <a:rPr lang="pt-PT" sz="1600" dirty="0" err="1" smtClean="0">
-                <a:solidFill>
-                  <a:schemeClr val="bg1">
-                    <a:lumMod val="65000"/>
-                  </a:schemeClr>
-                </a:solidFill>
-              </a:rPr>
-              <a:t>Key</a:t>
-            </a:r>
-            <a:endParaRPr lang="pt-PT" sz="1600" dirty="0">
-              <a:solidFill>
-                <a:schemeClr val="bg1">
-                  <a:lumMod val="65000"/>
-                </a:schemeClr>
-              </a:solidFill>
-            </a:endParaRPr>
-          </a:p>
-        </p:txBody>
-      </p:sp>
-      <p:pic>
-        <p:nvPicPr>
-          <p:cNvPr id="7" name="Imagem 6" descr="logo.jpg"/>
-          <p:cNvPicPr>
-            <a:picLocks noChangeAspect="1"/>
-          </p:cNvPicPr>
-          <p:nvPr/>
-        </p:nvPicPr>
-        <p:blipFill>
-          <a:blip r:embed="rId2"/>
-          <a:stretch>
-            <a:fillRect/>
-          </a:stretch>
-        </p:blipFill>
-        <p:spPr>
-          <a:xfrm>
-            <a:off x="9878096" y="0"/>
-            <a:ext cx="1558343" cy="1365161"/>
-          </a:xfrm>
-          <a:prstGeom prst="rect">
-            <a:avLst/>
-          </a:prstGeom>
-        </p:spPr>
-      </p:pic>
-      <p:pic>
-        <p:nvPicPr>
-          <p:cNvPr id="3" name="Imagem 2"/>
-          <p:cNvPicPr>
-            <a:picLocks noChangeAspect="1"/>
-          </p:cNvPicPr>
-          <p:nvPr/>
-        </p:nvPicPr>
-        <p:blipFill>
-          <a:blip r:embed="rId3"/>
-          <a:stretch>
-            <a:fillRect/>
-          </a:stretch>
-        </p:blipFill>
-        <p:spPr>
-          <a:xfrm>
-            <a:off x="2379662" y="2338829"/>
-            <a:ext cx="7762875" cy="3819525"/>
-          </a:xfrm>
-          <a:prstGeom prst="rect">
-            <a:avLst/>
-          </a:prstGeom>
+          <a:ln w="9525">
+            <a:noFill/>
+            <a:miter lim="800000"/>
+            <a:headEnd/>
+            <a:tailEnd/>
+          </a:ln>
         </p:spPr>
       </p:pic>
     </p:spTree>
-    <p:extLst>
-      <p:ext uri="{BB962C8B-B14F-4D97-AF65-F5344CB8AC3E}">
-        <p14:creationId xmlns:p14="http://schemas.microsoft.com/office/powerpoint/2010/main" xmlns="" val="2891170324"/>
-      </p:ext>
-    </p:extLst>
   </p:cSld>
   <p:clrMapOvr>
     <a:masterClrMapping/>
@@ -16855,7 +15262,7 @@
       </p:grpSpPr>
       <p:sp>
         <p:nvSpPr>
-          <p:cNvPr id="2" name="Título 1"/>
+          <p:cNvPr id="2" name="Title 1"/>
           <p:cNvSpPr>
             <a:spLocks noGrp="1"/>
           </p:cNvSpPr>
@@ -16869,8 +15276,8 @@
           <a:lstStyle/>
           <a:p>
             <a:r>
-              <a:rPr lang="pt-PT" dirty="0" smtClean="0"/>
-              <a:t>Exemplos</a:t>
+              <a:rPr lang="pt-PT" dirty="0" err="1" smtClean="0"/>
+              <a:t>Views</a:t>
             </a:r>
             <a:endParaRPr lang="pt-PT" dirty="0"/>
           </a:p>
@@ -16878,14 +15285,106 @@
       </p:sp>
       <p:sp>
         <p:nvSpPr>
-          <p:cNvPr id="5" name="CaixaDeTexto 4"/>
+          <p:cNvPr id="4" name="Marcador de Posição de Conteúdo 3"/>
+          <p:cNvSpPr>
+            <a:spLocks noGrp="1"/>
+          </p:cNvSpPr>
+          <p:nvPr>
+            <p:ph idx="1"/>
+          </p:nvPr>
+        </p:nvSpPr>
+        <p:spPr/>
+        <p:txBody>
+          <a:bodyPr>
+            <a:normAutofit/>
+          </a:bodyPr>
+          <a:lstStyle/>
+          <a:p>
+            <a:pPr marL="457200" lvl="1" indent="0">
+              <a:buNone/>
+            </a:pPr>
+            <a:endParaRPr lang="pt-PT" dirty="0" smtClean="0"/>
+          </a:p>
+          <a:p>
+            <a:pPr lvl="1">
+              <a:buFont typeface="Wingdings" pitchFamily="2" charset="2"/>
+              <a:buChar char="v"/>
+            </a:pPr>
+            <a:r>
+              <a:rPr lang="pt-PT" sz="2400" b="1" dirty="0" smtClean="0"/>
+              <a:t>Disponibilizadas pelo grupo.</a:t>
+            </a:r>
+          </a:p>
+          <a:p>
+            <a:pPr lvl="1">
+              <a:buFont typeface="Wingdings" pitchFamily="2" charset="2"/>
+              <a:buChar char="v"/>
+            </a:pPr>
+            <a:r>
+              <a:rPr lang="pt-PT" sz="2400" b="1" dirty="0" smtClean="0"/>
+              <a:t>Não utilizadas… ainda.</a:t>
+            </a:r>
+          </a:p>
+          <a:p>
+            <a:pPr lvl="1">
+              <a:buFont typeface="Wingdings" pitchFamily="2" charset="2"/>
+              <a:buChar char="v"/>
+            </a:pPr>
+            <a:r>
+              <a:rPr lang="pt-PT" sz="2400" b="1" dirty="0" smtClean="0"/>
+              <a:t>Fica a documentação para os próximos desenvolvedores.</a:t>
+            </a:r>
+          </a:p>
+          <a:p>
+            <a:pPr lvl="1">
+              <a:buFont typeface="Wingdings" pitchFamily="2" charset="2"/>
+              <a:buChar char="v"/>
+            </a:pPr>
+            <a:endParaRPr lang="pt-PT" sz="2400" b="1" dirty="0" smtClean="0"/>
+          </a:p>
+          <a:p>
+            <a:pPr lvl="1">
+              <a:buFont typeface="Wingdings" pitchFamily="2" charset="2"/>
+              <a:buChar char="v"/>
+            </a:pPr>
+            <a:endParaRPr lang="pt-PT" sz="2400" b="1" dirty="0" smtClean="0"/>
+          </a:p>
+          <a:p>
+            <a:pPr marL="457200" lvl="1" indent="0">
+              <a:buNone/>
+            </a:pPr>
+            <a:endParaRPr lang="pt-PT" sz="3200" b="1" dirty="0" smtClean="0"/>
+          </a:p>
+          <a:p>
+            <a:pPr marL="457200" lvl="1" indent="0">
+              <a:buNone/>
+            </a:pPr>
+            <a:endParaRPr lang="pt-PT" dirty="0" smtClean="0"/>
+          </a:p>
+          <a:p>
+            <a:pPr marL="457200" lvl="1" indent="0">
+              <a:buNone/>
+            </a:pPr>
+            <a:endParaRPr lang="pt-PT" dirty="0" smtClean="0"/>
+          </a:p>
+          <a:p>
+            <a:pPr marL="0" indent="0">
+              <a:buNone/>
+            </a:pPr>
+            <a:endParaRPr lang="pt-PT" dirty="0" smtClean="0"/>
+          </a:p>
+        </p:txBody>
+      </p:sp>
+      <p:sp>
+        <p:nvSpPr>
+          <p:cNvPr id="7" name="CaixaDeTexto 6"/>
           <p:cNvSpPr txBox="1"/>
           <p:nvPr/>
         </p:nvSpPr>
         <p:spPr>
           <a:xfrm>
             <a:off x="321972" y="6293407"/>
-            <a:ext cx="3773510" cy="338554"/>
+            <a:ext cx="3970628" cy="338554"/>
           </a:xfrm>
           <a:prstGeom prst="rect">
             <a:avLst/>
@@ -16906,7 +15405,7 @@
                   </a:schemeClr>
                 </a:solidFill>
               </a:rPr>
-              <a:t>Primary</a:t>
+              <a:t>CouchDB</a:t>
             </a:r>
             <a:r>
               <a:rPr lang="pt-PT" sz="1600" dirty="0" smtClean="0">
@@ -16916,17 +15415,7 @@
                   </a:schemeClr>
                 </a:solidFill>
               </a:rPr>
-              <a:t> </a:t>
-            </a:r>
-            <a:r>
-              <a:rPr lang="pt-PT" sz="1600" dirty="0" err="1" smtClean="0">
-                <a:solidFill>
-                  <a:schemeClr val="bg1">
-                    <a:lumMod val="65000"/>
-                  </a:schemeClr>
-                </a:solidFill>
-              </a:rPr>
-              <a:t>Key</a:t>
+              <a:t> “Bem-vindo ao descanso”</a:t>
             </a:r>
             <a:endParaRPr lang="pt-PT" sz="1600" dirty="0">
               <a:solidFill>
@@ -16938,58 +15427,10 @@
           </a:p>
         </p:txBody>
       </p:sp>
-      <p:pic>
-        <p:nvPicPr>
-          <p:cNvPr id="7" name="Imagem 6" descr="logo.jpg"/>
-          <p:cNvPicPr>
-            <a:picLocks noChangeAspect="1"/>
-          </p:cNvPicPr>
-          <p:nvPr/>
-        </p:nvPicPr>
-        <p:blipFill>
-          <a:blip r:embed="rId2"/>
-          <a:stretch>
-            <a:fillRect/>
-          </a:stretch>
-        </p:blipFill>
-        <p:spPr>
-          <a:xfrm>
-            <a:off x="9878096" y="0"/>
-            <a:ext cx="1558343" cy="1365161"/>
-          </a:xfrm>
-          <a:prstGeom prst="rect">
-            <a:avLst/>
-          </a:prstGeom>
-        </p:spPr>
-      </p:pic>
-      <p:pic>
-        <p:nvPicPr>
-          <p:cNvPr id="6" name="Imagem 5"/>
-          <p:cNvPicPr>
-            <a:picLocks noChangeAspect="1"/>
-          </p:cNvPicPr>
-          <p:nvPr/>
-        </p:nvPicPr>
-        <p:blipFill>
-          <a:blip r:embed="rId3"/>
-          <a:stretch>
-            <a:fillRect/>
-          </a:stretch>
-        </p:blipFill>
-        <p:spPr>
-          <a:xfrm>
-            <a:off x="2344737" y="2338829"/>
-            <a:ext cx="7781925" cy="3895725"/>
-          </a:xfrm>
-          <a:prstGeom prst="rect">
-            <a:avLst/>
-          </a:prstGeom>
-        </p:spPr>
-      </p:pic>
     </p:spTree>
     <p:extLst>
       <p:ext uri="{BB962C8B-B14F-4D97-AF65-F5344CB8AC3E}">
-        <p14:creationId xmlns:p14="http://schemas.microsoft.com/office/powerpoint/2010/main" xmlns="" val="123941604"/>
+        <p14:creationId xmlns:p14="http://schemas.microsoft.com/office/powerpoint/2010/main" xmlns="" val="1904567464"/>
       </p:ext>
     </p:extLst>
   </p:cSld>
@@ -17025,7 +15466,7 @@
       </p:grpSpPr>
       <p:sp>
         <p:nvSpPr>
-          <p:cNvPr id="2" name="Título 1"/>
+          <p:cNvPr id="2" name="Title 1"/>
           <p:cNvSpPr>
             <a:spLocks noGrp="1"/>
           </p:cNvSpPr>
@@ -17039,8 +15480,8 @@
           <a:lstStyle/>
           <a:p>
             <a:r>
-              <a:rPr lang="pt-PT" dirty="0" smtClean="0"/>
-              <a:t>Exemplos</a:t>
+              <a:rPr lang="pt-PT" dirty="0" err="1" smtClean="0"/>
+              <a:t>Views</a:t>
             </a:r>
             <a:endParaRPr lang="pt-PT" dirty="0"/>
           </a:p>
@@ -17048,14 +15489,141 @@
       </p:sp>
       <p:sp>
         <p:nvSpPr>
-          <p:cNvPr id="5" name="CaixaDeTexto 4"/>
+          <p:cNvPr id="4" name="Marcador de Posição de Conteúdo 3"/>
+          <p:cNvSpPr>
+            <a:spLocks noGrp="1"/>
+          </p:cNvSpPr>
+          <p:nvPr>
+            <p:ph idx="1"/>
+          </p:nvPr>
+        </p:nvSpPr>
+        <p:spPr/>
+        <p:txBody>
+          <a:bodyPr>
+            <a:normAutofit/>
+          </a:bodyPr>
+          <a:lstStyle/>
+          <a:p>
+            <a:pPr marL="457200" lvl="1" indent="0">
+              <a:buNone/>
+            </a:pPr>
+            <a:endParaRPr lang="pt-PT" dirty="0" smtClean="0"/>
+          </a:p>
+          <a:p>
+            <a:pPr lvl="1">
+              <a:buFont typeface="Wingdings" pitchFamily="2" charset="2"/>
+              <a:buChar char="v"/>
+            </a:pPr>
+            <a:r>
+              <a:rPr lang="pt-PT" sz="2400" b="1" dirty="0" err="1" smtClean="0"/>
+              <a:t>MapReduce</a:t>
+            </a:r>
+            <a:endParaRPr lang="pt-PT" sz="2400" b="1" dirty="0" smtClean="0"/>
+          </a:p>
+          <a:p>
+            <a:pPr lvl="2">
+              <a:buFont typeface="Wingdings" pitchFamily="2" charset="2"/>
+              <a:buChar char="v"/>
+            </a:pPr>
+            <a:r>
+              <a:rPr lang="pt-PT" sz="2000" b="1" dirty="0" smtClean="0"/>
+              <a:t>Se comparar-mos com uma base de dados relacional</a:t>
+            </a:r>
+          </a:p>
+          <a:p>
+            <a:pPr lvl="3">
+              <a:buFont typeface="Wingdings" pitchFamily="2" charset="2"/>
+              <a:buChar char="v"/>
+            </a:pPr>
+            <a:r>
+              <a:rPr lang="pt-PT" sz="1800" b="1" dirty="0" err="1" smtClean="0"/>
+              <a:t>Map</a:t>
+            </a:r>
+            <a:r>
+              <a:rPr lang="pt-PT" sz="1800" b="1" dirty="0" smtClean="0"/>
+              <a:t> devolve um resultado idêntico ao “</a:t>
+            </a:r>
+            <a:r>
+              <a:rPr lang="pt-PT" sz="1800" b="1" dirty="0" err="1" smtClean="0"/>
+              <a:t>select</a:t>
+            </a:r>
+            <a:r>
+              <a:rPr lang="pt-PT" sz="1800" b="1" dirty="0" smtClean="0"/>
+              <a:t>*”</a:t>
+            </a:r>
+          </a:p>
+          <a:p>
+            <a:pPr lvl="3">
+              <a:buFont typeface="Wingdings" pitchFamily="2" charset="2"/>
+              <a:buChar char="v"/>
+            </a:pPr>
+            <a:r>
+              <a:rPr lang="pt-PT" sz="1800" b="1" dirty="0" err="1" smtClean="0"/>
+              <a:t>Reduce</a:t>
+            </a:r>
+            <a:r>
+              <a:rPr lang="pt-PT" sz="1800" b="1" dirty="0" smtClean="0"/>
+              <a:t> introduz as condições da consulta… “</a:t>
+            </a:r>
+            <a:r>
+              <a:rPr lang="pt-PT" sz="1800" b="1" dirty="0" err="1" smtClean="0"/>
+              <a:t>where</a:t>
+            </a:r>
+            <a:r>
+              <a:rPr lang="pt-PT" sz="1800" b="1" dirty="0" smtClean="0"/>
+              <a:t>”</a:t>
+            </a:r>
+          </a:p>
+          <a:p>
+            <a:pPr lvl="1">
+              <a:buFont typeface="Wingdings" pitchFamily="2" charset="2"/>
+              <a:buChar char="v"/>
+            </a:pPr>
+            <a:endParaRPr lang="pt-PT" sz="2400" b="1" dirty="0" smtClean="0"/>
+          </a:p>
+          <a:p>
+            <a:pPr lvl="1">
+              <a:buFont typeface="Wingdings" pitchFamily="2" charset="2"/>
+              <a:buChar char="v"/>
+            </a:pPr>
+            <a:endParaRPr lang="pt-PT" sz="2400" b="1" dirty="0" smtClean="0"/>
+          </a:p>
+          <a:p>
+            <a:pPr marL="457200" lvl="1" indent="0">
+              <a:buNone/>
+            </a:pPr>
+            <a:endParaRPr lang="pt-PT" sz="3200" b="1" dirty="0" smtClean="0"/>
+          </a:p>
+          <a:p>
+            <a:pPr marL="457200" lvl="1" indent="0">
+              <a:buNone/>
+            </a:pPr>
+            <a:endParaRPr lang="pt-PT" dirty="0" smtClean="0"/>
+          </a:p>
+          <a:p>
+            <a:pPr marL="457200" lvl="1" indent="0">
+              <a:buNone/>
+            </a:pPr>
+            <a:endParaRPr lang="pt-PT" dirty="0" smtClean="0"/>
+          </a:p>
+          <a:p>
+            <a:pPr marL="0" indent="0">
+              <a:buNone/>
+            </a:pPr>
+            <a:endParaRPr lang="pt-PT" dirty="0" smtClean="0"/>
+          </a:p>
+        </p:txBody>
+      </p:sp>
+      <p:sp>
+        <p:nvSpPr>
+          <p:cNvPr id="7" name="CaixaDeTexto 6"/>
           <p:cNvSpPr txBox="1"/>
           <p:nvPr/>
         </p:nvSpPr>
         <p:spPr>
           <a:xfrm>
             <a:off x="321972" y="6293407"/>
-            <a:ext cx="3773510" cy="338554"/>
+            <a:ext cx="3970628" cy="338554"/>
           </a:xfrm>
           <a:prstGeom prst="rect">
             <a:avLst/>
@@ -17076,7 +15644,7 @@
                   </a:schemeClr>
                 </a:solidFill>
               </a:rPr>
-              <a:t>Primary</a:t>
+              <a:t>CouchDB</a:t>
             </a:r>
             <a:r>
               <a:rPr lang="pt-PT" sz="1600" dirty="0" smtClean="0">
@@ -17086,17 +15654,7 @@
                   </a:schemeClr>
                 </a:solidFill>
               </a:rPr>
-              <a:t> </a:t>
-            </a:r>
-            <a:r>
-              <a:rPr lang="pt-PT" sz="1600" dirty="0" err="1" smtClean="0">
-                <a:solidFill>
-                  <a:schemeClr val="bg1">
-                    <a:lumMod val="65000"/>
-                  </a:schemeClr>
-                </a:solidFill>
-              </a:rPr>
-              <a:t>Key</a:t>
+              <a:t> “Bem-vindo ao descanso”</a:t>
             </a:r>
             <a:endParaRPr lang="pt-PT" sz="1600" dirty="0">
               <a:solidFill>
@@ -17108,58 +15666,10 @@
           </a:p>
         </p:txBody>
       </p:sp>
-      <p:pic>
-        <p:nvPicPr>
-          <p:cNvPr id="7" name="Imagem 6" descr="logo.jpg"/>
-          <p:cNvPicPr>
-            <a:picLocks noChangeAspect="1"/>
-          </p:cNvPicPr>
-          <p:nvPr/>
-        </p:nvPicPr>
-        <p:blipFill>
-          <a:blip r:embed="rId2"/>
-          <a:stretch>
-            <a:fillRect/>
-          </a:stretch>
-        </p:blipFill>
-        <p:spPr>
-          <a:xfrm>
-            <a:off x="9878096" y="0"/>
-            <a:ext cx="1558343" cy="1365161"/>
-          </a:xfrm>
-          <a:prstGeom prst="rect">
-            <a:avLst/>
-          </a:prstGeom>
-        </p:spPr>
-      </p:pic>
-      <p:pic>
-        <p:nvPicPr>
-          <p:cNvPr id="3" name="Imagem 2"/>
-          <p:cNvPicPr>
-            <a:picLocks noChangeAspect="1"/>
-          </p:cNvPicPr>
-          <p:nvPr/>
-        </p:nvPicPr>
-        <p:blipFill>
-          <a:blip r:embed="rId3"/>
-          <a:stretch>
-            <a:fillRect/>
-          </a:stretch>
-        </p:blipFill>
-        <p:spPr>
-          <a:xfrm>
-            <a:off x="2329104" y="2238177"/>
-            <a:ext cx="7307862" cy="4055230"/>
-          </a:xfrm>
-          <a:prstGeom prst="rect">
-            <a:avLst/>
-          </a:prstGeom>
-        </p:spPr>
-      </p:pic>
     </p:spTree>
     <p:extLst>
       <p:ext uri="{BB962C8B-B14F-4D97-AF65-F5344CB8AC3E}">
-        <p14:creationId xmlns:p14="http://schemas.microsoft.com/office/powerpoint/2010/main" xmlns="" val="1891513483"/>
+        <p14:creationId xmlns:p14="http://schemas.microsoft.com/office/powerpoint/2010/main" xmlns="" val="1904567464"/>
       </p:ext>
     </p:extLst>
   </p:cSld>

--- a/couchdb/ApresentacaoFinal.pptx
+++ b/couchdb/ApresentacaoFinal.pptx
@@ -15,7 +15,9 @@
     <p:sldId id="272" r:id="rId9"/>
     <p:sldId id="273" r:id="rId10"/>
     <p:sldId id="274" r:id="rId11"/>
-    <p:sldId id="261" r:id="rId12"/>
+    <p:sldId id="276" r:id="rId12"/>
+    <p:sldId id="275" r:id="rId13"/>
+    <p:sldId id="261" r:id="rId14"/>
   </p:sldIdLst>
   <p:sldSz cx="12192000" cy="6858000"/>
   <p:notesSz cx="6858000" cy="9144000"/>
@@ -116,7 +118,7 @@
   </p:defaultTextStyle>
   <p:extLst>
     <p:ext uri="{EFAFB233-063F-42B5-8137-9DF3F51BA10A}">
-      <p15:sldGuideLst xmlns:p15="http://schemas.microsoft.com/office/powerpoint/2012/main" xmlns="">
+      <p15:sldGuideLst xmlns="" xmlns:p15="http://schemas.microsoft.com/office/powerpoint/2012/main">
         <p15:guide id="1" orient="horz" pos="2160">
           <p15:clr>
             <a:srgbClr val="A4A3A4"/>
@@ -780,7 +782,7 @@
             <a:fld id="{B61BEF0D-F0BB-DE4B-95CE-6DB70DBA9567}" type="datetimeFigureOut">
               <a:rPr lang="en-US" smtClean="0"/>
               <a:pPr/>
-              <a:t>6/30/2013</a:t>
+              <a:t>7/1/2013</a:t>
             </a:fld>
             <a:endParaRPr lang="en-US" dirty="0"/>
           </a:p>
@@ -892,7 +894,7 @@
     </p:spTree>
     <p:extLst>
       <p:ext uri="{BB962C8B-B14F-4D97-AF65-F5344CB8AC3E}">
-        <p14:creationId xmlns:p14="http://schemas.microsoft.com/office/powerpoint/2010/main" xmlns="" val="2366304032"/>
+        <p14:creationId xmlns="" xmlns:p14="http://schemas.microsoft.com/office/powerpoint/2010/main" val="2366304032"/>
       </p:ext>
     </p:extLst>
   </p:cSld>
@@ -1902,7 +1904,7 @@
             <a:fld id="{B61BEF0D-F0BB-DE4B-95CE-6DB70DBA9567}" type="datetimeFigureOut">
               <a:rPr lang="en-US" smtClean="0"/>
               <a:pPr/>
-              <a:t>6/30/2013</a:t>
+              <a:t>7/1/2013</a:t>
             </a:fld>
             <a:endParaRPr lang="en-US" dirty="0"/>
           </a:p>
@@ -1990,7 +1992,7 @@
     </p:spTree>
     <p:extLst>
       <p:ext uri="{BB962C8B-B14F-4D97-AF65-F5344CB8AC3E}">
-        <p14:creationId xmlns:p14="http://schemas.microsoft.com/office/powerpoint/2010/main" xmlns="" val="4066567357"/>
+        <p14:creationId xmlns="" xmlns:p14="http://schemas.microsoft.com/office/powerpoint/2010/main" val="4066567357"/>
       </p:ext>
     </p:extLst>
   </p:cSld>
@@ -2915,7 +2917,7 @@
             <a:fld id="{B61BEF0D-F0BB-DE4B-95CE-6DB70DBA9567}" type="datetimeFigureOut">
               <a:rPr lang="en-US" smtClean="0"/>
               <a:pPr/>
-              <a:t>6/30/2013</a:t>
+              <a:t>7/1/2013</a:t>
             </a:fld>
             <a:endParaRPr lang="en-US" dirty="0"/>
           </a:p>
@@ -3003,7 +3005,7 @@
     </p:spTree>
     <p:extLst>
       <p:ext uri="{BB962C8B-B14F-4D97-AF65-F5344CB8AC3E}">
-        <p14:creationId xmlns:p14="http://schemas.microsoft.com/office/powerpoint/2010/main" xmlns="" val="704902250"/>
+        <p14:creationId xmlns="" xmlns:p14="http://schemas.microsoft.com/office/powerpoint/2010/main" val="704902250"/>
       </p:ext>
     </p:extLst>
   </p:cSld>
@@ -4087,7 +4089,7 @@
             <a:fld id="{B61BEF0D-F0BB-DE4B-95CE-6DB70DBA9567}" type="datetimeFigureOut">
               <a:rPr lang="en-US" smtClean="0"/>
               <a:pPr/>
-              <a:t>6/30/2013</a:t>
+              <a:t>7/1/2013</a:t>
             </a:fld>
             <a:endParaRPr lang="en-US" dirty="0"/>
           </a:p>
@@ -4175,7 +4177,7 @@
     </p:spTree>
     <p:extLst>
       <p:ext uri="{BB962C8B-B14F-4D97-AF65-F5344CB8AC3E}">
-        <p14:creationId xmlns:p14="http://schemas.microsoft.com/office/powerpoint/2010/main" xmlns="" val="4026379621"/>
+        <p14:creationId xmlns="" xmlns:p14="http://schemas.microsoft.com/office/powerpoint/2010/main" val="4026379621"/>
       </p:ext>
     </p:extLst>
   </p:cSld>
@@ -5150,7 +5152,7 @@
             <a:fld id="{B61BEF0D-F0BB-DE4B-95CE-6DB70DBA9567}" type="datetimeFigureOut">
               <a:rPr lang="en-US" smtClean="0"/>
               <a:pPr/>
-              <a:t>6/30/2013</a:t>
+              <a:t>7/1/2013</a:t>
             </a:fld>
             <a:endParaRPr lang="en-US" dirty="0"/>
           </a:p>
@@ -5238,7 +5240,7 @@
     </p:spTree>
     <p:extLst>
       <p:ext uri="{BB962C8B-B14F-4D97-AF65-F5344CB8AC3E}">
-        <p14:creationId xmlns:p14="http://schemas.microsoft.com/office/powerpoint/2010/main" xmlns="" val="300525816"/>
+        <p14:creationId xmlns="" xmlns:p14="http://schemas.microsoft.com/office/powerpoint/2010/main" val="300525816"/>
       </p:ext>
     </p:extLst>
   </p:cSld>
@@ -5798,7 +5800,7 @@
             <a:fld id="{B61BEF0D-F0BB-DE4B-95CE-6DB70DBA9567}" type="datetimeFigureOut">
               <a:rPr lang="en-US" smtClean="0"/>
               <a:pPr/>
-              <a:t>6/30/2013</a:t>
+              <a:t>7/1/2013</a:t>
             </a:fld>
             <a:endParaRPr lang="en-US" dirty="0"/>
           </a:p>
@@ -5850,7 +5852,7 @@
     </p:spTree>
     <p:extLst>
       <p:ext uri="{BB962C8B-B14F-4D97-AF65-F5344CB8AC3E}">
-        <p14:creationId xmlns:p14="http://schemas.microsoft.com/office/powerpoint/2010/main" xmlns="" val="3034232281"/>
+        <p14:creationId xmlns="" xmlns:p14="http://schemas.microsoft.com/office/powerpoint/2010/main" val="3034232281"/>
       </p:ext>
     </p:extLst>
   </p:cSld>
@@ -6647,7 +6649,7 @@
             <a:fld id="{B61BEF0D-F0BB-DE4B-95CE-6DB70DBA9567}" type="datetimeFigureOut">
               <a:rPr lang="en-US" smtClean="0"/>
               <a:pPr/>
-              <a:t>6/30/2013</a:t>
+              <a:t>7/1/2013</a:t>
             </a:fld>
             <a:endParaRPr lang="en-US" dirty="0"/>
           </a:p>
@@ -6699,7 +6701,7 @@
     </p:spTree>
     <p:extLst>
       <p:ext uri="{BB962C8B-B14F-4D97-AF65-F5344CB8AC3E}">
-        <p14:creationId xmlns:p14="http://schemas.microsoft.com/office/powerpoint/2010/main" xmlns="" val="719354122"/>
+        <p14:creationId xmlns="" xmlns:p14="http://schemas.microsoft.com/office/powerpoint/2010/main" val="719354122"/>
       </p:ext>
     </p:extLst>
   </p:cSld>
@@ -6824,7 +6826,7 @@
             <a:fld id="{55C6B4A9-1611-4792-9094-5F34BCA07E0B}" type="datetimeFigureOut">
               <a:rPr lang="en-US" smtClean="0"/>
               <a:pPr/>
-              <a:t>6/30/2013</a:t>
+              <a:t>7/1/2013</a:t>
             </a:fld>
             <a:endParaRPr lang="en-US" dirty="0"/>
           </a:p>
@@ -6876,7 +6878,7 @@
     </p:spTree>
     <p:extLst>
       <p:ext uri="{BB962C8B-B14F-4D97-AF65-F5344CB8AC3E}">
-        <p14:creationId xmlns:p14="http://schemas.microsoft.com/office/powerpoint/2010/main" xmlns="" val="2218831888"/>
+        <p14:creationId xmlns="" xmlns:p14="http://schemas.microsoft.com/office/powerpoint/2010/main" val="2218831888"/>
       </p:ext>
     </p:extLst>
   </p:cSld>
@@ -7824,7 +7826,7 @@
             <a:fld id="{B61BEF0D-F0BB-DE4B-95CE-6DB70DBA9567}" type="datetimeFigureOut">
               <a:rPr lang="en-US" smtClean="0"/>
               <a:pPr/>
-              <a:t>6/30/2013</a:t>
+              <a:t>7/1/2013</a:t>
             </a:fld>
             <a:endParaRPr lang="en-US" dirty="0"/>
           </a:p>
@@ -7912,7 +7914,7 @@
     </p:spTree>
     <p:extLst>
       <p:ext uri="{BB962C8B-B14F-4D97-AF65-F5344CB8AC3E}">
-        <p14:creationId xmlns:p14="http://schemas.microsoft.com/office/powerpoint/2010/main" xmlns="" val="412353160"/>
+        <p14:creationId xmlns="" xmlns:p14="http://schemas.microsoft.com/office/powerpoint/2010/main" val="412353160"/>
       </p:ext>
     </p:extLst>
   </p:cSld>
@@ -8032,7 +8034,7 @@
             <a:fld id="{B61BEF0D-F0BB-DE4B-95CE-6DB70DBA9567}" type="datetimeFigureOut">
               <a:rPr lang="en-US" smtClean="0"/>
               <a:pPr/>
-              <a:t>6/30/2013</a:t>
+              <a:t>7/1/2013</a:t>
             </a:fld>
             <a:endParaRPr lang="en-US" dirty="0"/>
           </a:p>
@@ -8084,7 +8086,7 @@
     </p:spTree>
     <p:extLst>
       <p:ext uri="{BB962C8B-B14F-4D97-AF65-F5344CB8AC3E}">
-        <p14:creationId xmlns:p14="http://schemas.microsoft.com/office/powerpoint/2010/main" xmlns="" val="3720808702"/>
+        <p14:creationId xmlns="" xmlns:p14="http://schemas.microsoft.com/office/powerpoint/2010/main" val="3720808702"/>
       </p:ext>
     </p:extLst>
   </p:cSld>
@@ -9096,7 +9098,7 @@
             <a:fld id="{B61BEF0D-F0BB-DE4B-95CE-6DB70DBA9567}" type="datetimeFigureOut">
               <a:rPr lang="en-US" smtClean="0"/>
               <a:pPr/>
-              <a:t>6/30/2013</a:t>
+              <a:t>7/1/2013</a:t>
             </a:fld>
             <a:endParaRPr lang="en-US" dirty="0"/>
           </a:p>
@@ -9184,7 +9186,7 @@
     </p:spTree>
     <p:extLst>
       <p:ext uri="{BB962C8B-B14F-4D97-AF65-F5344CB8AC3E}">
-        <p14:creationId xmlns:p14="http://schemas.microsoft.com/office/powerpoint/2010/main" xmlns="" val="1204964069"/>
+        <p14:creationId xmlns="" xmlns:p14="http://schemas.microsoft.com/office/powerpoint/2010/main" val="1204964069"/>
       </p:ext>
     </p:extLst>
   </p:cSld>
@@ -9370,7 +9372,7 @@
             <a:fld id="{EB712588-04B1-427B-82EE-E8DB90309F08}" type="datetimeFigureOut">
               <a:rPr lang="en-US" smtClean="0"/>
               <a:pPr/>
-              <a:t>6/30/2013</a:t>
+              <a:t>7/1/2013</a:t>
             </a:fld>
             <a:endParaRPr lang="en-US" dirty="0"/>
           </a:p>
@@ -9422,7 +9424,7 @@
     </p:spTree>
     <p:extLst>
       <p:ext uri="{BB962C8B-B14F-4D97-AF65-F5344CB8AC3E}">
-        <p14:creationId xmlns:p14="http://schemas.microsoft.com/office/powerpoint/2010/main" xmlns="" val="3416224205"/>
+        <p14:creationId xmlns="" xmlns:p14="http://schemas.microsoft.com/office/powerpoint/2010/main" val="3416224205"/>
       </p:ext>
     </p:extLst>
   </p:cSld>
@@ -9754,7 +9756,7 @@
             <a:fld id="{B61BEF0D-F0BB-DE4B-95CE-6DB70DBA9567}" type="datetimeFigureOut">
               <a:rPr lang="en-US" smtClean="0"/>
               <a:pPr/>
-              <a:t>6/30/2013</a:t>
+              <a:t>7/1/2013</a:t>
             </a:fld>
             <a:endParaRPr lang="en-US" dirty="0"/>
           </a:p>
@@ -9806,7 +9808,7 @@
     </p:spTree>
     <p:extLst>
       <p:ext uri="{BB962C8B-B14F-4D97-AF65-F5344CB8AC3E}">
-        <p14:creationId xmlns:p14="http://schemas.microsoft.com/office/powerpoint/2010/main" xmlns="" val="397309849"/>
+        <p14:creationId xmlns="" xmlns:p14="http://schemas.microsoft.com/office/powerpoint/2010/main" val="397309849"/>
       </p:ext>
     </p:extLst>
   </p:cSld>
@@ -9874,7 +9876,7 @@
             <a:fld id="{B61BEF0D-F0BB-DE4B-95CE-6DB70DBA9567}" type="datetimeFigureOut">
               <a:rPr lang="en-US" smtClean="0"/>
               <a:pPr/>
-              <a:t>6/30/2013</a:t>
+              <a:t>7/1/2013</a:t>
             </a:fld>
             <a:endParaRPr lang="en-US" dirty="0"/>
           </a:p>
@@ -9926,7 +9928,7 @@
     </p:spTree>
     <p:extLst>
       <p:ext uri="{BB962C8B-B14F-4D97-AF65-F5344CB8AC3E}">
-        <p14:creationId xmlns:p14="http://schemas.microsoft.com/office/powerpoint/2010/main" xmlns="" val="571747138"/>
+        <p14:creationId xmlns="" xmlns:p14="http://schemas.microsoft.com/office/powerpoint/2010/main" val="571747138"/>
       </p:ext>
     </p:extLst>
   </p:cSld>
@@ -9971,7 +9973,7 @@
             <a:fld id="{B61BEF0D-F0BB-DE4B-95CE-6DB70DBA9567}" type="datetimeFigureOut">
               <a:rPr lang="en-US" smtClean="0"/>
               <a:pPr/>
-              <a:t>6/30/2013</a:t>
+              <a:t>7/1/2013</a:t>
             </a:fld>
             <a:endParaRPr lang="en-US" dirty="0"/>
           </a:p>
@@ -10059,7 +10061,7 @@
     </p:spTree>
     <p:extLst>
       <p:ext uri="{BB962C8B-B14F-4D97-AF65-F5344CB8AC3E}">
-        <p14:creationId xmlns:p14="http://schemas.microsoft.com/office/powerpoint/2010/main" xmlns="" val="3772123859"/>
+        <p14:creationId xmlns="" xmlns:p14="http://schemas.microsoft.com/office/powerpoint/2010/main" val="3772123859"/>
       </p:ext>
     </p:extLst>
   </p:cSld>
@@ -11082,7 +11084,7 @@
             <a:fld id="{42A54C80-263E-416B-A8E0-580EDEADCBDC}" type="datetimeFigureOut">
               <a:rPr lang="en-US" smtClean="0"/>
               <a:pPr/>
-              <a:t>6/30/2013</a:t>
+              <a:t>7/1/2013</a:t>
             </a:fld>
             <a:endParaRPr lang="en-US" dirty="0"/>
           </a:p>
@@ -11170,7 +11172,7 @@
     </p:spTree>
     <p:extLst>
       <p:ext uri="{BB962C8B-B14F-4D97-AF65-F5344CB8AC3E}">
-        <p14:creationId xmlns:p14="http://schemas.microsoft.com/office/powerpoint/2010/main" xmlns="" val="661120729"/>
+        <p14:creationId xmlns="" xmlns:p14="http://schemas.microsoft.com/office/powerpoint/2010/main" val="661120729"/>
       </p:ext>
     </p:extLst>
   </p:cSld>
@@ -12217,7 +12219,7 @@
             <a:fld id="{B61BEF0D-F0BB-DE4B-95CE-6DB70DBA9567}" type="datetimeFigureOut">
               <a:rPr lang="en-US" smtClean="0"/>
               <a:pPr/>
-              <a:t>6/30/2013</a:t>
+              <a:t>7/1/2013</a:t>
             </a:fld>
             <a:endParaRPr lang="en-US" dirty="0"/>
           </a:p>
@@ -12305,7 +12307,7 @@
     </p:spTree>
     <p:extLst>
       <p:ext uri="{BB962C8B-B14F-4D97-AF65-F5344CB8AC3E}">
-        <p14:creationId xmlns:p14="http://schemas.microsoft.com/office/powerpoint/2010/main" xmlns="" val="1408843535"/>
+        <p14:creationId xmlns="" xmlns:p14="http://schemas.microsoft.com/office/powerpoint/2010/main" val="1408843535"/>
       </p:ext>
     </p:extLst>
   </p:cSld>
@@ -13247,7 +13249,7 @@
             <a:fld id="{B61BEF0D-F0BB-DE4B-95CE-6DB70DBA9567}" type="datetimeFigureOut">
               <a:rPr lang="en-US" smtClean="0"/>
               <a:pPr/>
-              <a:t>6/30/2013</a:t>
+              <a:t>7/1/2013</a:t>
             </a:fld>
             <a:endParaRPr lang="en-US" dirty="0"/>
           </a:p>
@@ -13369,7 +13371,7 @@
     </p:spTree>
     <p:extLst>
       <p:ext uri="{BB962C8B-B14F-4D97-AF65-F5344CB8AC3E}">
-        <p14:creationId xmlns:p14="http://schemas.microsoft.com/office/powerpoint/2010/main" xmlns="" val="95235215"/>
+        <p14:creationId xmlns="" xmlns:p14="http://schemas.microsoft.com/office/powerpoint/2010/main" val="95235215"/>
       </p:ext>
     </p:extLst>
   </p:cSld>
@@ -13879,7 +13881,7 @@
     </p:spTree>
     <p:extLst>
       <p:ext uri="{BB962C8B-B14F-4D97-AF65-F5344CB8AC3E}">
-        <p14:creationId xmlns:p14="http://schemas.microsoft.com/office/powerpoint/2010/main" xmlns="" val="326348055"/>
+        <p14:creationId xmlns="" xmlns:p14="http://schemas.microsoft.com/office/powerpoint/2010/main" val="326348055"/>
       </p:ext>
     </p:extLst>
   </p:cSld>
@@ -14031,6 +14033,340 @@
           <a:lstStyle/>
           <a:p>
             <a:r>
+              <a:rPr lang="pt-PT" dirty="0" err="1" smtClean="0"/>
+              <a:t>Views</a:t>
+            </a:r>
+            <a:endParaRPr lang="pt-PT" dirty="0"/>
+          </a:p>
+        </p:txBody>
+      </p:sp>
+      <p:sp>
+        <p:nvSpPr>
+          <p:cNvPr id="4" name="Marcador de Posição de Conteúdo 3"/>
+          <p:cNvSpPr>
+            <a:spLocks noGrp="1"/>
+          </p:cNvSpPr>
+          <p:nvPr>
+            <p:ph idx="1"/>
+          </p:nvPr>
+        </p:nvSpPr>
+        <p:spPr/>
+        <p:txBody>
+          <a:bodyPr>
+            <a:normAutofit/>
+          </a:bodyPr>
+          <a:lstStyle/>
+          <a:p>
+            <a:pPr marL="457200" lvl="1" indent="0">
+              <a:buNone/>
+            </a:pPr>
+            <a:endParaRPr lang="pt-PT" dirty="0" smtClean="0"/>
+          </a:p>
+          <a:p>
+            <a:pPr lvl="1">
+              <a:buFont typeface="Wingdings" pitchFamily="2" charset="2"/>
+              <a:buChar char="v"/>
+            </a:pPr>
+            <a:r>
+              <a:rPr lang="pt-PT" sz="2400" b="1" dirty="0" err="1" smtClean="0"/>
+              <a:t>MapReduce</a:t>
+            </a:r>
+            <a:endParaRPr lang="pt-PT" sz="2400" b="1" dirty="0" smtClean="0"/>
+          </a:p>
+          <a:p>
+            <a:pPr lvl="2">
+              <a:buFont typeface="Wingdings" pitchFamily="2" charset="2"/>
+              <a:buChar char="v"/>
+            </a:pPr>
+            <a:r>
+              <a:rPr lang="pt-PT" sz="2000" b="1" dirty="0" smtClean="0"/>
+              <a:t>Se comparar-mos com uma base de dados relacional</a:t>
+            </a:r>
+          </a:p>
+          <a:p>
+            <a:pPr lvl="3">
+              <a:buFont typeface="Wingdings" pitchFamily="2" charset="2"/>
+              <a:buChar char="v"/>
+            </a:pPr>
+            <a:r>
+              <a:rPr lang="pt-PT" sz="1800" b="1" dirty="0" err="1" smtClean="0"/>
+              <a:t>Map</a:t>
+            </a:r>
+            <a:r>
+              <a:rPr lang="pt-PT" sz="1800" b="1" dirty="0" smtClean="0"/>
+              <a:t> devolve um resultado idêntico ao “</a:t>
+            </a:r>
+            <a:r>
+              <a:rPr lang="pt-PT" sz="1800" b="1" dirty="0" err="1" smtClean="0"/>
+              <a:t>select</a:t>
+            </a:r>
+            <a:r>
+              <a:rPr lang="pt-PT" sz="1800" b="1" dirty="0" smtClean="0"/>
+              <a:t>*”</a:t>
+            </a:r>
+          </a:p>
+          <a:p>
+            <a:pPr lvl="3">
+              <a:buFont typeface="Wingdings" pitchFamily="2" charset="2"/>
+              <a:buChar char="v"/>
+            </a:pPr>
+            <a:r>
+              <a:rPr lang="pt-PT" sz="1800" b="1" dirty="0" err="1" smtClean="0"/>
+              <a:t>Reduce</a:t>
+            </a:r>
+            <a:r>
+              <a:rPr lang="pt-PT" sz="1800" b="1" dirty="0" smtClean="0"/>
+              <a:t> introduz as condições da consulta… “</a:t>
+            </a:r>
+            <a:r>
+              <a:rPr lang="pt-PT" sz="1800" b="1" dirty="0" err="1" smtClean="0"/>
+              <a:t>where</a:t>
+            </a:r>
+            <a:r>
+              <a:rPr lang="pt-PT" sz="1800" b="1" dirty="0" smtClean="0"/>
+              <a:t>”</a:t>
+            </a:r>
+          </a:p>
+          <a:p>
+            <a:pPr lvl="1">
+              <a:buFont typeface="Wingdings" pitchFamily="2" charset="2"/>
+              <a:buChar char="v"/>
+            </a:pPr>
+            <a:endParaRPr lang="pt-PT" sz="2400" b="1" dirty="0" smtClean="0"/>
+          </a:p>
+          <a:p>
+            <a:pPr lvl="1">
+              <a:buFont typeface="Wingdings" pitchFamily="2" charset="2"/>
+              <a:buChar char="v"/>
+            </a:pPr>
+            <a:endParaRPr lang="pt-PT" sz="2400" b="1" dirty="0" smtClean="0"/>
+          </a:p>
+          <a:p>
+            <a:pPr marL="457200" lvl="1" indent="0">
+              <a:buNone/>
+            </a:pPr>
+            <a:endParaRPr lang="pt-PT" sz="3200" b="1" dirty="0" smtClean="0"/>
+          </a:p>
+          <a:p>
+            <a:pPr marL="457200" lvl="1" indent="0">
+              <a:buNone/>
+            </a:pPr>
+            <a:endParaRPr lang="pt-PT" dirty="0" smtClean="0"/>
+          </a:p>
+          <a:p>
+            <a:pPr marL="457200" lvl="1" indent="0">
+              <a:buNone/>
+            </a:pPr>
+            <a:endParaRPr lang="pt-PT" dirty="0" smtClean="0"/>
+          </a:p>
+          <a:p>
+            <a:pPr marL="0" indent="0">
+              <a:buNone/>
+            </a:pPr>
+            <a:endParaRPr lang="pt-PT" dirty="0" smtClean="0"/>
+          </a:p>
+        </p:txBody>
+      </p:sp>
+      <p:sp>
+        <p:nvSpPr>
+          <p:cNvPr id="7" name="CaixaDeTexto 6"/>
+          <p:cNvSpPr txBox="1"/>
+          <p:nvPr/>
+        </p:nvSpPr>
+        <p:spPr>
+          <a:xfrm>
+            <a:off x="321972" y="6293407"/>
+            <a:ext cx="3970628" cy="338554"/>
+          </a:xfrm>
+          <a:prstGeom prst="rect">
+            <a:avLst/>
+          </a:prstGeom>
+          <a:noFill/>
+        </p:spPr>
+        <p:txBody>
+          <a:bodyPr wrap="square" rtlCol="0">
+            <a:spAutoFit/>
+          </a:bodyPr>
+          <a:lstStyle/>
+          <a:p>
+            <a:r>
+              <a:rPr lang="pt-PT" sz="1600" dirty="0" err="1" smtClean="0">
+                <a:solidFill>
+                  <a:schemeClr val="bg1">
+                    <a:lumMod val="65000"/>
+                  </a:schemeClr>
+                </a:solidFill>
+              </a:rPr>
+              <a:t>CouchDB</a:t>
+            </a:r>
+            <a:r>
+              <a:rPr lang="pt-PT" sz="1600" dirty="0" smtClean="0">
+                <a:solidFill>
+                  <a:schemeClr val="bg1">
+                    <a:lumMod val="65000"/>
+                  </a:schemeClr>
+                </a:solidFill>
+              </a:rPr>
+              <a:t> “Bem-vindo ao descanso”</a:t>
+            </a:r>
+            <a:endParaRPr lang="pt-PT" sz="1600" dirty="0">
+              <a:solidFill>
+                <a:schemeClr val="bg1">
+                  <a:lumMod val="65000"/>
+                </a:schemeClr>
+              </a:solidFill>
+            </a:endParaRPr>
+          </a:p>
+        </p:txBody>
+      </p:sp>
+    </p:spTree>
+    <p:extLst>
+      <p:ext uri="{BB962C8B-B14F-4D97-AF65-F5344CB8AC3E}">
+        <p14:creationId xmlns="" xmlns:p14="http://schemas.microsoft.com/office/powerpoint/2010/main" val="1904567464"/>
+      </p:ext>
+    </p:extLst>
+  </p:cSld>
+  <p:clrMapOvr>
+    <a:masterClrMapping/>
+  </p:clrMapOvr>
+  <p:timing>
+    <p:tnLst>
+      <p:par>
+        <p:cTn id="1" dur="indefinite" restart="never" nodeType="tmRoot"/>
+      </p:par>
+    </p:tnLst>
+  </p:timing>
+</p:sld>
+</file>
+
+<file path=ppt/slides/slide12.xml><?xml version="1.0" encoding="utf-8"?>
+<p:sld xmlns:a="http://schemas.openxmlformats.org/drawingml/2006/main" xmlns:r="http://schemas.openxmlformats.org/officeDocument/2006/relationships" xmlns:p="http://schemas.openxmlformats.org/presentationml/2006/main">
+  <p:cSld>
+    <p:spTree>
+      <p:nvGrpSpPr>
+        <p:cNvPr id="1" name=""/>
+        <p:cNvGrpSpPr/>
+        <p:nvPr/>
+      </p:nvGrpSpPr>
+      <p:grpSpPr>
+        <a:xfrm>
+          <a:off x="0" y="0"/>
+          <a:ext cx="0" cy="0"/>
+          <a:chOff x="0" y="0"/>
+          <a:chExt cx="0" cy="0"/>
+        </a:xfrm>
+      </p:grpSpPr>
+      <p:sp>
+        <p:nvSpPr>
+          <p:cNvPr id="2" name="Título 1"/>
+          <p:cNvSpPr>
+            <a:spLocks noGrp="1"/>
+          </p:cNvSpPr>
+          <p:nvPr>
+            <p:ph type="title"/>
+          </p:nvPr>
+        </p:nvSpPr>
+        <p:spPr/>
+        <p:txBody>
+          <a:bodyPr/>
+          <a:lstStyle/>
+          <a:p>
+            <a:endParaRPr lang="pt-PT"/>
+          </a:p>
+        </p:txBody>
+      </p:sp>
+      <p:sp>
+        <p:nvSpPr>
+          <p:cNvPr id="3" name="Marcador de Posição de Conteúdo 2"/>
+          <p:cNvSpPr>
+            <a:spLocks noGrp="1"/>
+          </p:cNvSpPr>
+          <p:nvPr>
+            <p:ph idx="1"/>
+          </p:nvPr>
+        </p:nvSpPr>
+        <p:spPr/>
+        <p:txBody>
+          <a:bodyPr/>
+          <a:lstStyle/>
+          <a:p>
+            <a:endParaRPr lang="pt-PT"/>
+          </a:p>
+        </p:txBody>
+      </p:sp>
+      <p:pic>
+        <p:nvPicPr>
+          <p:cNvPr id="1026" name="Picture 2"/>
+          <p:cNvPicPr>
+            <a:picLocks noChangeAspect="1" noChangeArrowheads="1"/>
+          </p:cNvPicPr>
+          <p:nvPr/>
+        </p:nvPicPr>
+        <p:blipFill>
+          <a:blip r:embed="rId2"/>
+          <a:srcRect/>
+          <a:stretch>
+            <a:fillRect/>
+          </a:stretch>
+        </p:blipFill>
+        <p:spPr bwMode="auto">
+          <a:xfrm>
+            <a:off x="0" y="0"/>
+            <a:ext cx="13011150" cy="7086600"/>
+          </a:xfrm>
+          <a:prstGeom prst="rect">
+            <a:avLst/>
+          </a:prstGeom>
+          <a:noFill/>
+          <a:ln w="9525">
+            <a:noFill/>
+            <a:miter lim="800000"/>
+            <a:headEnd/>
+            <a:tailEnd/>
+          </a:ln>
+        </p:spPr>
+      </p:pic>
+    </p:spTree>
+  </p:cSld>
+  <p:clrMapOvr>
+    <a:masterClrMapping/>
+  </p:clrMapOvr>
+</p:sld>
+</file>
+
+<file path=ppt/slides/slide13.xml><?xml version="1.0" encoding="utf-8"?>
+<p:sld xmlns:a="http://schemas.openxmlformats.org/drawingml/2006/main" xmlns:r="http://schemas.openxmlformats.org/officeDocument/2006/relationships" xmlns:p="http://schemas.openxmlformats.org/presentationml/2006/main">
+  <p:cSld>
+    <p:spTree>
+      <p:nvGrpSpPr>
+        <p:cNvPr id="1" name=""/>
+        <p:cNvGrpSpPr/>
+        <p:nvPr/>
+      </p:nvGrpSpPr>
+      <p:grpSpPr>
+        <a:xfrm>
+          <a:off x="0" y="0"/>
+          <a:ext cx="0" cy="0"/>
+          <a:chOff x="0" y="0"/>
+          <a:chExt cx="0" cy="0"/>
+        </a:xfrm>
+      </p:grpSpPr>
+      <p:sp>
+        <p:nvSpPr>
+          <p:cNvPr id="2" name="Title 1"/>
+          <p:cNvSpPr>
+            <a:spLocks noGrp="1"/>
+          </p:cNvSpPr>
+          <p:nvPr>
+            <p:ph type="title"/>
+          </p:nvPr>
+        </p:nvSpPr>
+        <p:spPr/>
+        <p:txBody>
+          <a:bodyPr/>
+          <a:lstStyle/>
+          <a:p>
+            <a:r>
               <a:rPr lang="pt-PT" dirty="0" smtClean="0"/>
               <a:t>Fim</a:t>
             </a:r>
@@ -14093,7 +14429,7 @@
     </p:spTree>
     <p:extLst>
       <p:ext uri="{BB962C8B-B14F-4D97-AF65-F5344CB8AC3E}">
-        <p14:creationId xmlns:p14="http://schemas.microsoft.com/office/powerpoint/2010/main" xmlns="" val="2431271499"/>
+        <p14:creationId xmlns="" xmlns:p14="http://schemas.microsoft.com/office/powerpoint/2010/main" val="2431271499"/>
       </p:ext>
     </p:extLst>
   </p:cSld>
@@ -14338,7 +14674,7 @@
     </p:spTree>
     <p:extLst>
       <p:ext uri="{BB962C8B-B14F-4D97-AF65-F5344CB8AC3E}">
-        <p14:creationId xmlns:p14="http://schemas.microsoft.com/office/powerpoint/2010/main" xmlns="" val="1904567464"/>
+        <p14:creationId xmlns="" xmlns:p14="http://schemas.microsoft.com/office/powerpoint/2010/main" val="1904567464"/>
       </p:ext>
     </p:extLst>
   </p:cSld>
@@ -14614,7 +14950,7 @@
     </p:spTree>
     <p:extLst>
       <p:ext uri="{BB962C8B-B14F-4D97-AF65-F5344CB8AC3E}">
-        <p14:creationId xmlns:p14="http://schemas.microsoft.com/office/powerpoint/2010/main" xmlns="" val="1904567464"/>
+        <p14:creationId xmlns="" xmlns:p14="http://schemas.microsoft.com/office/powerpoint/2010/main" val="1904567464"/>
       </p:ext>
     </p:extLst>
   </p:cSld>
@@ -14798,7 +15134,7 @@
     </p:spTree>
     <p:extLst>
       <p:ext uri="{BB962C8B-B14F-4D97-AF65-F5344CB8AC3E}">
-        <p14:creationId xmlns:p14="http://schemas.microsoft.com/office/powerpoint/2010/main" xmlns="" val="1904567464"/>
+        <p14:creationId xmlns="" xmlns:p14="http://schemas.microsoft.com/office/powerpoint/2010/main" val="1904567464"/>
       </p:ext>
     </p:extLst>
   </p:cSld>
@@ -14940,7 +15276,7 @@
     </p:spTree>
     <p:extLst>
       <p:ext uri="{BB962C8B-B14F-4D97-AF65-F5344CB8AC3E}">
-        <p14:creationId xmlns:p14="http://schemas.microsoft.com/office/powerpoint/2010/main" xmlns="" val="1904567464"/>
+        <p14:creationId xmlns="" xmlns:p14="http://schemas.microsoft.com/office/powerpoint/2010/main" val="1904567464"/>
       </p:ext>
     </p:extLst>
   </p:cSld>
@@ -15124,7 +15460,7 @@
     </p:spTree>
     <p:extLst>
       <p:ext uri="{BB962C8B-B14F-4D97-AF65-F5344CB8AC3E}">
-        <p14:creationId xmlns:p14="http://schemas.microsoft.com/office/powerpoint/2010/main" xmlns="" val="1904567464"/>
+        <p14:creationId xmlns="" xmlns:p14="http://schemas.microsoft.com/office/powerpoint/2010/main" val="1904567464"/>
       </p:ext>
     </p:extLst>
   </p:cSld>
@@ -15430,7 +15766,7 @@
     </p:spTree>
     <p:extLst>
       <p:ext uri="{BB962C8B-B14F-4D97-AF65-F5344CB8AC3E}">
-        <p14:creationId xmlns:p14="http://schemas.microsoft.com/office/powerpoint/2010/main" xmlns="" val="1904567464"/>
+        <p14:creationId xmlns="" xmlns:p14="http://schemas.microsoft.com/office/powerpoint/2010/main" val="1904567464"/>
       </p:ext>
     </p:extLst>
   </p:cSld>
@@ -15536,12 +15872,20 @@
               <a:buChar char="v"/>
             </a:pPr>
             <a:r>
+              <a:rPr lang="pt-PT" sz="1800" b="1" dirty="0" smtClean="0"/>
+              <a:t>“</a:t>
+            </a:r>
+            <a:r>
               <a:rPr lang="pt-PT" sz="1800" b="1" dirty="0" err="1" smtClean="0"/>
               <a:t>Map</a:t>
             </a:r>
             <a:r>
               <a:rPr lang="pt-PT" sz="1800" b="1" dirty="0" smtClean="0"/>
-              <a:t> devolve um resultado idêntico ao “</a:t>
+              <a:t>” </a:t>
+            </a:r>
+            <a:r>
+              <a:rPr lang="pt-PT" sz="1800" b="1" dirty="0" smtClean="0"/>
+              <a:t>devolve um resultado idêntico ao “</a:t>
             </a:r>
             <a:r>
               <a:rPr lang="pt-PT" sz="1800" b="1" dirty="0" err="1" smtClean="0"/>
@@ -15558,12 +15902,35 @@
               <a:buChar char="v"/>
             </a:pPr>
             <a:r>
+              <a:rPr lang="pt-PT" sz="1800" b="1" dirty="0" smtClean="0"/>
+              <a:t>“</a:t>
+            </a:r>
+            <a:r>
               <a:rPr lang="pt-PT" sz="1800" b="1" dirty="0" err="1" smtClean="0"/>
               <a:t>Reduce</a:t>
             </a:r>
             <a:r>
               <a:rPr lang="pt-PT" sz="1800" b="1" dirty="0" smtClean="0"/>
-              <a:t> introduz as condições da consulta… “</a:t>
+              <a:t>” permite efetuar operações sobre </a:t>
+            </a:r>
+            <a:r>
+              <a:rPr lang="pt-PT" sz="1800" b="1" smtClean="0"/>
+              <a:t>os dados</a:t>
+            </a:r>
+            <a:endParaRPr lang="pt-PT" sz="1800" b="1" dirty="0" smtClean="0"/>
+          </a:p>
+          <a:p>
+            <a:pPr lvl="3">
+              <a:buFont typeface="Wingdings" pitchFamily="2" charset="2"/>
+              <a:buChar char="v"/>
+            </a:pPr>
+            <a:r>
+              <a:rPr lang="pt-PT" sz="1800" b="1" dirty="0" smtClean="0"/>
+              <a:t>“?” </a:t>
+            </a:r>
+            <a:r>
+              <a:rPr lang="pt-PT" sz="1800" b="1" dirty="0" smtClean="0"/>
+              <a:t>introduz as condições da consulta… “</a:t>
             </a:r>
             <a:r>
               <a:rPr lang="pt-PT" sz="1800" b="1" dirty="0" err="1" smtClean="0"/>
@@ -15669,7 +16036,7 @@
     </p:spTree>
     <p:extLst>
       <p:ext uri="{BB962C8B-B14F-4D97-AF65-F5344CB8AC3E}">
-        <p14:creationId xmlns:p14="http://schemas.microsoft.com/office/powerpoint/2010/main" xmlns="" val="1904567464"/>
+        <p14:creationId xmlns="" xmlns:p14="http://schemas.microsoft.com/office/powerpoint/2010/main" val="1904567464"/>
       </p:ext>
     </p:extLst>
   </p:cSld>
@@ -15945,7 +16312,7 @@
   <a:extraClrSchemeLst/>
   <a:extLst>
     <a:ext uri="{05A4C25C-085E-4340-85A3-A5531E510DB2}">
-      <thm15:themeFamily xmlns:thm15="http://schemas.microsoft.com/office/thememl/2012/main" xmlns="" name="Ion Boardroom" id="{FC33163D-4339-46B1-8EED-24C834239D99}" vid="{A3AB87EF-B655-4FFF-8D05-F333AD7F2789}"/>
+      <thm15:themeFamily xmlns="" xmlns:thm15="http://schemas.microsoft.com/office/thememl/2012/main" name="Ion Boardroom" id="{FC33163D-4339-46B1-8EED-24C834239D99}" vid="{A3AB87EF-B655-4FFF-8D05-F333AD7F2789}"/>
     </a:ext>
   </a:extLst>
 </a:theme>

--- a/couchdb/ApresentacaoFinal.pptx
+++ b/couchdb/ApresentacaoFinal.pptx
@@ -15,9 +15,10 @@
     <p:sldId id="272" r:id="rId9"/>
     <p:sldId id="273" r:id="rId10"/>
     <p:sldId id="274" r:id="rId11"/>
-    <p:sldId id="276" r:id="rId12"/>
-    <p:sldId id="275" r:id="rId13"/>
-    <p:sldId id="261" r:id="rId14"/>
+    <p:sldId id="277" r:id="rId12"/>
+    <p:sldId id="276" r:id="rId13"/>
+    <p:sldId id="275" r:id="rId14"/>
+    <p:sldId id="261" r:id="rId15"/>
   </p:sldIdLst>
   <p:sldSz cx="12192000" cy="6858000"/>
   <p:notesSz cx="6858000" cy="9144000"/>
@@ -118,7 +119,7 @@
   </p:defaultTextStyle>
   <p:extLst>
     <p:ext uri="{EFAFB233-063F-42B5-8137-9DF3F51BA10A}">
-      <p15:sldGuideLst xmlns="" xmlns:p15="http://schemas.microsoft.com/office/powerpoint/2012/main">
+      <p15:sldGuideLst xmlns:p15="http://schemas.microsoft.com/office/powerpoint/2012/main" xmlns="">
         <p15:guide id="1" orient="horz" pos="2160">
           <p15:clr>
             <a:srgbClr val="A4A3A4"/>
@@ -782,7 +783,7 @@
             <a:fld id="{B61BEF0D-F0BB-DE4B-95CE-6DB70DBA9567}" type="datetimeFigureOut">
               <a:rPr lang="en-US" smtClean="0"/>
               <a:pPr/>
-              <a:t>7/1/2013</a:t>
+              <a:t>7/2/2013</a:t>
             </a:fld>
             <a:endParaRPr lang="en-US" dirty="0"/>
           </a:p>
@@ -894,7 +895,7 @@
     </p:spTree>
     <p:extLst>
       <p:ext uri="{BB962C8B-B14F-4D97-AF65-F5344CB8AC3E}">
-        <p14:creationId xmlns="" xmlns:p14="http://schemas.microsoft.com/office/powerpoint/2010/main" val="2366304032"/>
+        <p14:creationId xmlns:p14="http://schemas.microsoft.com/office/powerpoint/2010/main" xmlns="" val="2366304032"/>
       </p:ext>
     </p:extLst>
   </p:cSld>
@@ -1904,7 +1905,7 @@
             <a:fld id="{B61BEF0D-F0BB-DE4B-95CE-6DB70DBA9567}" type="datetimeFigureOut">
               <a:rPr lang="en-US" smtClean="0"/>
               <a:pPr/>
-              <a:t>7/1/2013</a:t>
+              <a:t>7/2/2013</a:t>
             </a:fld>
             <a:endParaRPr lang="en-US" dirty="0"/>
           </a:p>
@@ -1992,7 +1993,7 @@
     </p:spTree>
     <p:extLst>
       <p:ext uri="{BB962C8B-B14F-4D97-AF65-F5344CB8AC3E}">
-        <p14:creationId xmlns="" xmlns:p14="http://schemas.microsoft.com/office/powerpoint/2010/main" val="4066567357"/>
+        <p14:creationId xmlns:p14="http://schemas.microsoft.com/office/powerpoint/2010/main" xmlns="" val="4066567357"/>
       </p:ext>
     </p:extLst>
   </p:cSld>
@@ -2917,7 +2918,7 @@
             <a:fld id="{B61BEF0D-F0BB-DE4B-95CE-6DB70DBA9567}" type="datetimeFigureOut">
               <a:rPr lang="en-US" smtClean="0"/>
               <a:pPr/>
-              <a:t>7/1/2013</a:t>
+              <a:t>7/2/2013</a:t>
             </a:fld>
             <a:endParaRPr lang="en-US" dirty="0"/>
           </a:p>
@@ -3005,7 +3006,7 @@
     </p:spTree>
     <p:extLst>
       <p:ext uri="{BB962C8B-B14F-4D97-AF65-F5344CB8AC3E}">
-        <p14:creationId xmlns="" xmlns:p14="http://schemas.microsoft.com/office/powerpoint/2010/main" val="704902250"/>
+        <p14:creationId xmlns:p14="http://schemas.microsoft.com/office/powerpoint/2010/main" xmlns="" val="704902250"/>
       </p:ext>
     </p:extLst>
   </p:cSld>
@@ -4089,7 +4090,7 @@
             <a:fld id="{B61BEF0D-F0BB-DE4B-95CE-6DB70DBA9567}" type="datetimeFigureOut">
               <a:rPr lang="en-US" smtClean="0"/>
               <a:pPr/>
-              <a:t>7/1/2013</a:t>
+              <a:t>7/2/2013</a:t>
             </a:fld>
             <a:endParaRPr lang="en-US" dirty="0"/>
           </a:p>
@@ -4177,7 +4178,7 @@
     </p:spTree>
     <p:extLst>
       <p:ext uri="{BB962C8B-B14F-4D97-AF65-F5344CB8AC3E}">
-        <p14:creationId xmlns="" xmlns:p14="http://schemas.microsoft.com/office/powerpoint/2010/main" val="4026379621"/>
+        <p14:creationId xmlns:p14="http://schemas.microsoft.com/office/powerpoint/2010/main" xmlns="" val="4026379621"/>
       </p:ext>
     </p:extLst>
   </p:cSld>
@@ -5152,7 +5153,7 @@
             <a:fld id="{B61BEF0D-F0BB-DE4B-95CE-6DB70DBA9567}" type="datetimeFigureOut">
               <a:rPr lang="en-US" smtClean="0"/>
               <a:pPr/>
-              <a:t>7/1/2013</a:t>
+              <a:t>7/2/2013</a:t>
             </a:fld>
             <a:endParaRPr lang="en-US" dirty="0"/>
           </a:p>
@@ -5240,7 +5241,7 @@
     </p:spTree>
     <p:extLst>
       <p:ext uri="{BB962C8B-B14F-4D97-AF65-F5344CB8AC3E}">
-        <p14:creationId xmlns="" xmlns:p14="http://schemas.microsoft.com/office/powerpoint/2010/main" val="300525816"/>
+        <p14:creationId xmlns:p14="http://schemas.microsoft.com/office/powerpoint/2010/main" xmlns="" val="300525816"/>
       </p:ext>
     </p:extLst>
   </p:cSld>
@@ -5800,7 +5801,7 @@
             <a:fld id="{B61BEF0D-F0BB-DE4B-95CE-6DB70DBA9567}" type="datetimeFigureOut">
               <a:rPr lang="en-US" smtClean="0"/>
               <a:pPr/>
-              <a:t>7/1/2013</a:t>
+              <a:t>7/2/2013</a:t>
             </a:fld>
             <a:endParaRPr lang="en-US" dirty="0"/>
           </a:p>
@@ -5852,7 +5853,7 @@
     </p:spTree>
     <p:extLst>
       <p:ext uri="{BB962C8B-B14F-4D97-AF65-F5344CB8AC3E}">
-        <p14:creationId xmlns="" xmlns:p14="http://schemas.microsoft.com/office/powerpoint/2010/main" val="3034232281"/>
+        <p14:creationId xmlns:p14="http://schemas.microsoft.com/office/powerpoint/2010/main" xmlns="" val="3034232281"/>
       </p:ext>
     </p:extLst>
   </p:cSld>
@@ -6649,7 +6650,7 @@
             <a:fld id="{B61BEF0D-F0BB-DE4B-95CE-6DB70DBA9567}" type="datetimeFigureOut">
               <a:rPr lang="en-US" smtClean="0"/>
               <a:pPr/>
-              <a:t>7/1/2013</a:t>
+              <a:t>7/2/2013</a:t>
             </a:fld>
             <a:endParaRPr lang="en-US" dirty="0"/>
           </a:p>
@@ -6701,7 +6702,7 @@
     </p:spTree>
     <p:extLst>
       <p:ext uri="{BB962C8B-B14F-4D97-AF65-F5344CB8AC3E}">
-        <p14:creationId xmlns="" xmlns:p14="http://schemas.microsoft.com/office/powerpoint/2010/main" val="719354122"/>
+        <p14:creationId xmlns:p14="http://schemas.microsoft.com/office/powerpoint/2010/main" xmlns="" val="719354122"/>
       </p:ext>
     </p:extLst>
   </p:cSld>
@@ -6826,7 +6827,7 @@
             <a:fld id="{55C6B4A9-1611-4792-9094-5F34BCA07E0B}" type="datetimeFigureOut">
               <a:rPr lang="en-US" smtClean="0"/>
               <a:pPr/>
-              <a:t>7/1/2013</a:t>
+              <a:t>7/2/2013</a:t>
             </a:fld>
             <a:endParaRPr lang="en-US" dirty="0"/>
           </a:p>
@@ -6878,7 +6879,7 @@
     </p:spTree>
     <p:extLst>
       <p:ext uri="{BB962C8B-B14F-4D97-AF65-F5344CB8AC3E}">
-        <p14:creationId xmlns="" xmlns:p14="http://schemas.microsoft.com/office/powerpoint/2010/main" val="2218831888"/>
+        <p14:creationId xmlns:p14="http://schemas.microsoft.com/office/powerpoint/2010/main" xmlns="" val="2218831888"/>
       </p:ext>
     </p:extLst>
   </p:cSld>
@@ -7826,7 +7827,7 @@
             <a:fld id="{B61BEF0D-F0BB-DE4B-95CE-6DB70DBA9567}" type="datetimeFigureOut">
               <a:rPr lang="en-US" smtClean="0"/>
               <a:pPr/>
-              <a:t>7/1/2013</a:t>
+              <a:t>7/2/2013</a:t>
             </a:fld>
             <a:endParaRPr lang="en-US" dirty="0"/>
           </a:p>
@@ -7914,7 +7915,7 @@
     </p:spTree>
     <p:extLst>
       <p:ext uri="{BB962C8B-B14F-4D97-AF65-F5344CB8AC3E}">
-        <p14:creationId xmlns="" xmlns:p14="http://schemas.microsoft.com/office/powerpoint/2010/main" val="412353160"/>
+        <p14:creationId xmlns:p14="http://schemas.microsoft.com/office/powerpoint/2010/main" xmlns="" val="412353160"/>
       </p:ext>
     </p:extLst>
   </p:cSld>
@@ -8034,7 +8035,7 @@
             <a:fld id="{B61BEF0D-F0BB-DE4B-95CE-6DB70DBA9567}" type="datetimeFigureOut">
               <a:rPr lang="en-US" smtClean="0"/>
               <a:pPr/>
-              <a:t>7/1/2013</a:t>
+              <a:t>7/2/2013</a:t>
             </a:fld>
             <a:endParaRPr lang="en-US" dirty="0"/>
           </a:p>
@@ -8086,7 +8087,7 @@
     </p:spTree>
     <p:extLst>
       <p:ext uri="{BB962C8B-B14F-4D97-AF65-F5344CB8AC3E}">
-        <p14:creationId xmlns="" xmlns:p14="http://schemas.microsoft.com/office/powerpoint/2010/main" val="3720808702"/>
+        <p14:creationId xmlns:p14="http://schemas.microsoft.com/office/powerpoint/2010/main" xmlns="" val="3720808702"/>
       </p:ext>
     </p:extLst>
   </p:cSld>
@@ -9098,7 +9099,7 @@
             <a:fld id="{B61BEF0D-F0BB-DE4B-95CE-6DB70DBA9567}" type="datetimeFigureOut">
               <a:rPr lang="en-US" smtClean="0"/>
               <a:pPr/>
-              <a:t>7/1/2013</a:t>
+              <a:t>7/2/2013</a:t>
             </a:fld>
             <a:endParaRPr lang="en-US" dirty="0"/>
           </a:p>
@@ -9186,7 +9187,7 @@
     </p:spTree>
     <p:extLst>
       <p:ext uri="{BB962C8B-B14F-4D97-AF65-F5344CB8AC3E}">
-        <p14:creationId xmlns="" xmlns:p14="http://schemas.microsoft.com/office/powerpoint/2010/main" val="1204964069"/>
+        <p14:creationId xmlns:p14="http://schemas.microsoft.com/office/powerpoint/2010/main" xmlns="" val="1204964069"/>
       </p:ext>
     </p:extLst>
   </p:cSld>
@@ -9372,7 +9373,7 @@
             <a:fld id="{EB712588-04B1-427B-82EE-E8DB90309F08}" type="datetimeFigureOut">
               <a:rPr lang="en-US" smtClean="0"/>
               <a:pPr/>
-              <a:t>7/1/2013</a:t>
+              <a:t>7/2/2013</a:t>
             </a:fld>
             <a:endParaRPr lang="en-US" dirty="0"/>
           </a:p>
@@ -9424,7 +9425,7 @@
     </p:spTree>
     <p:extLst>
       <p:ext uri="{BB962C8B-B14F-4D97-AF65-F5344CB8AC3E}">
-        <p14:creationId xmlns="" xmlns:p14="http://schemas.microsoft.com/office/powerpoint/2010/main" val="3416224205"/>
+        <p14:creationId xmlns:p14="http://schemas.microsoft.com/office/powerpoint/2010/main" xmlns="" val="3416224205"/>
       </p:ext>
     </p:extLst>
   </p:cSld>
@@ -9756,7 +9757,7 @@
             <a:fld id="{B61BEF0D-F0BB-DE4B-95CE-6DB70DBA9567}" type="datetimeFigureOut">
               <a:rPr lang="en-US" smtClean="0"/>
               <a:pPr/>
-              <a:t>7/1/2013</a:t>
+              <a:t>7/2/2013</a:t>
             </a:fld>
             <a:endParaRPr lang="en-US" dirty="0"/>
           </a:p>
@@ -9808,7 +9809,7 @@
     </p:spTree>
     <p:extLst>
       <p:ext uri="{BB962C8B-B14F-4D97-AF65-F5344CB8AC3E}">
-        <p14:creationId xmlns="" xmlns:p14="http://schemas.microsoft.com/office/powerpoint/2010/main" val="397309849"/>
+        <p14:creationId xmlns:p14="http://schemas.microsoft.com/office/powerpoint/2010/main" xmlns="" val="397309849"/>
       </p:ext>
     </p:extLst>
   </p:cSld>
@@ -9876,7 +9877,7 @@
             <a:fld id="{B61BEF0D-F0BB-DE4B-95CE-6DB70DBA9567}" type="datetimeFigureOut">
               <a:rPr lang="en-US" smtClean="0"/>
               <a:pPr/>
-              <a:t>7/1/2013</a:t>
+              <a:t>7/2/2013</a:t>
             </a:fld>
             <a:endParaRPr lang="en-US" dirty="0"/>
           </a:p>
@@ -9928,7 +9929,7 @@
     </p:spTree>
     <p:extLst>
       <p:ext uri="{BB962C8B-B14F-4D97-AF65-F5344CB8AC3E}">
-        <p14:creationId xmlns="" xmlns:p14="http://schemas.microsoft.com/office/powerpoint/2010/main" val="571747138"/>
+        <p14:creationId xmlns:p14="http://schemas.microsoft.com/office/powerpoint/2010/main" xmlns="" val="571747138"/>
       </p:ext>
     </p:extLst>
   </p:cSld>
@@ -9973,7 +9974,7 @@
             <a:fld id="{B61BEF0D-F0BB-DE4B-95CE-6DB70DBA9567}" type="datetimeFigureOut">
               <a:rPr lang="en-US" smtClean="0"/>
               <a:pPr/>
-              <a:t>7/1/2013</a:t>
+              <a:t>7/2/2013</a:t>
             </a:fld>
             <a:endParaRPr lang="en-US" dirty="0"/>
           </a:p>
@@ -10061,7 +10062,7 @@
     </p:spTree>
     <p:extLst>
       <p:ext uri="{BB962C8B-B14F-4D97-AF65-F5344CB8AC3E}">
-        <p14:creationId xmlns="" xmlns:p14="http://schemas.microsoft.com/office/powerpoint/2010/main" val="3772123859"/>
+        <p14:creationId xmlns:p14="http://schemas.microsoft.com/office/powerpoint/2010/main" xmlns="" val="3772123859"/>
       </p:ext>
     </p:extLst>
   </p:cSld>
@@ -11084,7 +11085,7 @@
             <a:fld id="{42A54C80-263E-416B-A8E0-580EDEADCBDC}" type="datetimeFigureOut">
               <a:rPr lang="en-US" smtClean="0"/>
               <a:pPr/>
-              <a:t>7/1/2013</a:t>
+              <a:t>7/2/2013</a:t>
             </a:fld>
             <a:endParaRPr lang="en-US" dirty="0"/>
           </a:p>
@@ -11172,7 +11173,7 @@
     </p:spTree>
     <p:extLst>
       <p:ext uri="{BB962C8B-B14F-4D97-AF65-F5344CB8AC3E}">
-        <p14:creationId xmlns="" xmlns:p14="http://schemas.microsoft.com/office/powerpoint/2010/main" val="661120729"/>
+        <p14:creationId xmlns:p14="http://schemas.microsoft.com/office/powerpoint/2010/main" xmlns="" val="661120729"/>
       </p:ext>
     </p:extLst>
   </p:cSld>
@@ -12219,7 +12220,7 @@
             <a:fld id="{B61BEF0D-F0BB-DE4B-95CE-6DB70DBA9567}" type="datetimeFigureOut">
               <a:rPr lang="en-US" smtClean="0"/>
               <a:pPr/>
-              <a:t>7/1/2013</a:t>
+              <a:t>7/2/2013</a:t>
             </a:fld>
             <a:endParaRPr lang="en-US" dirty="0"/>
           </a:p>
@@ -12307,7 +12308,7 @@
     </p:spTree>
     <p:extLst>
       <p:ext uri="{BB962C8B-B14F-4D97-AF65-F5344CB8AC3E}">
-        <p14:creationId xmlns="" xmlns:p14="http://schemas.microsoft.com/office/powerpoint/2010/main" val="1408843535"/>
+        <p14:creationId xmlns:p14="http://schemas.microsoft.com/office/powerpoint/2010/main" xmlns="" val="1408843535"/>
       </p:ext>
     </p:extLst>
   </p:cSld>
@@ -13249,7 +13250,7 @@
             <a:fld id="{B61BEF0D-F0BB-DE4B-95CE-6DB70DBA9567}" type="datetimeFigureOut">
               <a:rPr lang="en-US" smtClean="0"/>
               <a:pPr/>
-              <a:t>7/1/2013</a:t>
+              <a:t>7/2/2013</a:t>
             </a:fld>
             <a:endParaRPr lang="en-US" dirty="0"/>
           </a:p>
@@ -13371,7 +13372,7 @@
     </p:spTree>
     <p:extLst>
       <p:ext uri="{BB962C8B-B14F-4D97-AF65-F5344CB8AC3E}">
-        <p14:creationId xmlns="" xmlns:p14="http://schemas.microsoft.com/office/powerpoint/2010/main" val="95235215"/>
+        <p14:creationId xmlns:p14="http://schemas.microsoft.com/office/powerpoint/2010/main" xmlns="" val="95235215"/>
       </p:ext>
     </p:extLst>
   </p:cSld>
@@ -13881,7 +13882,7 @@
     </p:spTree>
     <p:extLst>
       <p:ext uri="{BB962C8B-B14F-4D97-AF65-F5344CB8AC3E}">
-        <p14:creationId xmlns="" xmlns:p14="http://schemas.microsoft.com/office/powerpoint/2010/main" val="326348055"/>
+        <p14:creationId xmlns:p14="http://schemas.microsoft.com/office/powerpoint/2010/main" xmlns="" val="326348055"/>
       </p:ext>
     </p:extLst>
   </p:cSld>
@@ -14019,7 +14020,7 @@
       </p:grpSpPr>
       <p:sp>
         <p:nvSpPr>
-          <p:cNvPr id="2" name="Title 1"/>
+          <p:cNvPr id="2" name="Título 1"/>
           <p:cNvSpPr>
             <a:spLocks noGrp="1"/>
           </p:cNvSpPr>
@@ -14032,17 +14033,13 @@
           <a:bodyPr/>
           <a:lstStyle/>
           <a:p>
-            <a:r>
-              <a:rPr lang="pt-PT" dirty="0" err="1" smtClean="0"/>
-              <a:t>Views</a:t>
-            </a:r>
-            <a:endParaRPr lang="pt-PT" dirty="0"/>
+            <a:endParaRPr lang="pt-PT"/>
           </a:p>
         </p:txBody>
       </p:sp>
       <p:sp>
         <p:nvSpPr>
-          <p:cNvPr id="4" name="Marcador de Posição de Conteúdo 3"/>
+          <p:cNvPr id="3" name="Marcador de Posição de Conteúdo 2"/>
           <p:cNvSpPr>
             <a:spLocks noGrp="1"/>
           </p:cNvSpPr>
@@ -14052,190 +14049,50 @@
         </p:nvSpPr>
         <p:spPr/>
         <p:txBody>
-          <a:bodyPr>
-            <a:normAutofit/>
-          </a:bodyPr>
+          <a:bodyPr/>
           <a:lstStyle/>
           <a:p>
-            <a:pPr marL="457200" lvl="1" indent="0">
-              <a:buNone/>
-            </a:pPr>
-            <a:endParaRPr lang="pt-PT" dirty="0" smtClean="0"/>
-          </a:p>
-          <a:p>
-            <a:pPr lvl="1">
-              <a:buFont typeface="Wingdings" pitchFamily="2" charset="2"/>
-              <a:buChar char="v"/>
-            </a:pPr>
-            <a:r>
-              <a:rPr lang="pt-PT" sz="2400" b="1" dirty="0" err="1" smtClean="0"/>
-              <a:t>MapReduce</a:t>
-            </a:r>
-            <a:endParaRPr lang="pt-PT" sz="2400" b="1" dirty="0" smtClean="0"/>
-          </a:p>
-          <a:p>
-            <a:pPr lvl="2">
-              <a:buFont typeface="Wingdings" pitchFamily="2" charset="2"/>
-              <a:buChar char="v"/>
-            </a:pPr>
-            <a:r>
-              <a:rPr lang="pt-PT" sz="2000" b="1" dirty="0" smtClean="0"/>
-              <a:t>Se comparar-mos com uma base de dados relacional</a:t>
-            </a:r>
-          </a:p>
-          <a:p>
-            <a:pPr lvl="3">
-              <a:buFont typeface="Wingdings" pitchFamily="2" charset="2"/>
-              <a:buChar char="v"/>
-            </a:pPr>
-            <a:r>
-              <a:rPr lang="pt-PT" sz="1800" b="1" dirty="0" err="1" smtClean="0"/>
-              <a:t>Map</a:t>
-            </a:r>
-            <a:r>
-              <a:rPr lang="pt-PT" sz="1800" b="1" dirty="0" smtClean="0"/>
-              <a:t> devolve um resultado idêntico ao “</a:t>
-            </a:r>
-            <a:r>
-              <a:rPr lang="pt-PT" sz="1800" b="1" dirty="0" err="1" smtClean="0"/>
-              <a:t>select</a:t>
-            </a:r>
-            <a:r>
-              <a:rPr lang="pt-PT" sz="1800" b="1" dirty="0" smtClean="0"/>
-              <a:t>*”</a:t>
-            </a:r>
-          </a:p>
-          <a:p>
-            <a:pPr lvl="3">
-              <a:buFont typeface="Wingdings" pitchFamily="2" charset="2"/>
-              <a:buChar char="v"/>
-            </a:pPr>
-            <a:r>
-              <a:rPr lang="pt-PT" sz="1800" b="1" dirty="0" err="1" smtClean="0"/>
-              <a:t>Reduce</a:t>
-            </a:r>
-            <a:r>
-              <a:rPr lang="pt-PT" sz="1800" b="1" dirty="0" smtClean="0"/>
-              <a:t> introduz as condições da consulta… “</a:t>
-            </a:r>
-            <a:r>
-              <a:rPr lang="pt-PT" sz="1800" b="1" dirty="0" err="1" smtClean="0"/>
-              <a:t>where</a:t>
-            </a:r>
-            <a:r>
-              <a:rPr lang="pt-PT" sz="1800" b="1" dirty="0" smtClean="0"/>
-              <a:t>”</a:t>
-            </a:r>
-          </a:p>
-          <a:p>
-            <a:pPr lvl="1">
-              <a:buFont typeface="Wingdings" pitchFamily="2" charset="2"/>
-              <a:buChar char="v"/>
-            </a:pPr>
-            <a:endParaRPr lang="pt-PT" sz="2400" b="1" dirty="0" smtClean="0"/>
-          </a:p>
-          <a:p>
-            <a:pPr lvl="1">
-              <a:buFont typeface="Wingdings" pitchFamily="2" charset="2"/>
-              <a:buChar char="v"/>
-            </a:pPr>
-            <a:endParaRPr lang="pt-PT" sz="2400" b="1" dirty="0" smtClean="0"/>
-          </a:p>
-          <a:p>
-            <a:pPr marL="457200" lvl="1" indent="0">
-              <a:buNone/>
-            </a:pPr>
-            <a:endParaRPr lang="pt-PT" sz="3200" b="1" dirty="0" smtClean="0"/>
-          </a:p>
-          <a:p>
-            <a:pPr marL="457200" lvl="1" indent="0">
-              <a:buNone/>
-            </a:pPr>
-            <a:endParaRPr lang="pt-PT" dirty="0" smtClean="0"/>
-          </a:p>
-          <a:p>
-            <a:pPr marL="457200" lvl="1" indent="0">
-              <a:buNone/>
-            </a:pPr>
-            <a:endParaRPr lang="pt-PT" dirty="0" smtClean="0"/>
-          </a:p>
-          <a:p>
-            <a:pPr marL="0" indent="0">
-              <a:buNone/>
-            </a:pPr>
-            <a:endParaRPr lang="pt-PT" dirty="0" smtClean="0"/>
+            <a:endParaRPr lang="pt-PT"/>
           </a:p>
         </p:txBody>
       </p:sp>
-      <p:sp>
-        <p:nvSpPr>
-          <p:cNvPr id="7" name="CaixaDeTexto 6"/>
-          <p:cNvSpPr txBox="1"/>
+      <p:pic>
+        <p:nvPicPr>
+          <p:cNvPr id="2051" name="Picture 3"/>
+          <p:cNvPicPr>
+            <a:picLocks noChangeAspect="1" noChangeArrowheads="1"/>
+          </p:cNvPicPr>
           <p:nvPr/>
-        </p:nvSpPr>
-        <p:spPr>
+        </p:nvPicPr>
+        <p:blipFill>
+          <a:blip r:embed="rId2"/>
+          <a:srcRect/>
+          <a:stretch>
+            <a:fillRect/>
+          </a:stretch>
+        </p:blipFill>
+        <p:spPr bwMode="auto">
           <a:xfrm>
-            <a:off x="321972" y="6293407"/>
-            <a:ext cx="3970628" cy="338554"/>
+            <a:off x="0" y="0"/>
+            <a:ext cx="13011150" cy="7086600"/>
           </a:xfrm>
           <a:prstGeom prst="rect">
             <a:avLst/>
           </a:prstGeom>
           <a:noFill/>
+          <a:ln w="9525">
+            <a:noFill/>
+            <a:miter lim="800000"/>
+            <a:headEnd/>
+            <a:tailEnd/>
+          </a:ln>
         </p:spPr>
-        <p:txBody>
-          <a:bodyPr wrap="square" rtlCol="0">
-            <a:spAutoFit/>
-          </a:bodyPr>
-          <a:lstStyle/>
-          <a:p>
-            <a:r>
-              <a:rPr lang="pt-PT" sz="1600" dirty="0" err="1" smtClean="0">
-                <a:solidFill>
-                  <a:schemeClr val="bg1">
-                    <a:lumMod val="65000"/>
-                  </a:schemeClr>
-                </a:solidFill>
-              </a:rPr>
-              <a:t>CouchDB</a:t>
-            </a:r>
-            <a:r>
-              <a:rPr lang="pt-PT" sz="1600" dirty="0" smtClean="0">
-                <a:solidFill>
-                  <a:schemeClr val="bg1">
-                    <a:lumMod val="65000"/>
-                  </a:schemeClr>
-                </a:solidFill>
-              </a:rPr>
-              <a:t> “Bem-vindo ao descanso”</a:t>
-            </a:r>
-            <a:endParaRPr lang="pt-PT" sz="1600" dirty="0">
-              <a:solidFill>
-                <a:schemeClr val="bg1">
-                  <a:lumMod val="65000"/>
-                </a:schemeClr>
-              </a:solidFill>
-            </a:endParaRPr>
-          </a:p>
-        </p:txBody>
-      </p:sp>
+      </p:pic>
     </p:spTree>
-    <p:extLst>
-      <p:ext uri="{BB962C8B-B14F-4D97-AF65-F5344CB8AC3E}">
-        <p14:creationId xmlns="" xmlns:p14="http://schemas.microsoft.com/office/powerpoint/2010/main" val="1904567464"/>
-      </p:ext>
-    </p:extLst>
   </p:cSld>
   <p:clrMapOvr>
     <a:masterClrMapping/>
   </p:clrMapOvr>
-  <p:timing>
-    <p:tnLst>
-      <p:par>
-        <p:cTn id="1" dur="indefinite" restart="never" nodeType="tmRoot"/>
-      </p:par>
-    </p:tnLst>
-  </p:timing>
 </p:sld>
 </file>
 
@@ -14353,6 +14210,101 @@
       </p:grpSpPr>
       <p:sp>
         <p:nvSpPr>
+          <p:cNvPr id="2" name="Título 1"/>
+          <p:cNvSpPr>
+            <a:spLocks noGrp="1"/>
+          </p:cNvSpPr>
+          <p:nvPr>
+            <p:ph type="title"/>
+          </p:nvPr>
+        </p:nvSpPr>
+        <p:spPr/>
+        <p:txBody>
+          <a:bodyPr/>
+          <a:lstStyle/>
+          <a:p>
+            <a:endParaRPr lang="pt-PT"/>
+          </a:p>
+        </p:txBody>
+      </p:sp>
+      <p:sp>
+        <p:nvSpPr>
+          <p:cNvPr id="3" name="Marcador de Posição de Conteúdo 2"/>
+          <p:cNvSpPr>
+            <a:spLocks noGrp="1"/>
+          </p:cNvSpPr>
+          <p:nvPr>
+            <p:ph idx="1"/>
+          </p:nvPr>
+        </p:nvSpPr>
+        <p:spPr/>
+        <p:txBody>
+          <a:bodyPr/>
+          <a:lstStyle/>
+          <a:p>
+            <a:endParaRPr lang="pt-PT"/>
+          </a:p>
+        </p:txBody>
+      </p:sp>
+      <p:pic>
+        <p:nvPicPr>
+          <p:cNvPr id="1026" name="Picture 2"/>
+          <p:cNvPicPr>
+            <a:picLocks noChangeAspect="1" noChangeArrowheads="1"/>
+          </p:cNvPicPr>
+          <p:nvPr/>
+        </p:nvPicPr>
+        <p:blipFill>
+          <a:blip r:embed="rId2"/>
+          <a:srcRect/>
+          <a:stretch>
+            <a:fillRect/>
+          </a:stretch>
+        </p:blipFill>
+        <p:spPr bwMode="auto">
+          <a:xfrm>
+            <a:off x="0" y="0"/>
+            <a:ext cx="13011150" cy="7086600"/>
+          </a:xfrm>
+          <a:prstGeom prst="rect">
+            <a:avLst/>
+          </a:prstGeom>
+          <a:noFill/>
+          <a:ln w="9525">
+            <a:noFill/>
+            <a:miter lim="800000"/>
+            <a:headEnd/>
+            <a:tailEnd/>
+          </a:ln>
+        </p:spPr>
+      </p:pic>
+    </p:spTree>
+  </p:cSld>
+  <p:clrMapOvr>
+    <a:masterClrMapping/>
+  </p:clrMapOvr>
+</p:sld>
+</file>
+
+<file path=ppt/slides/slide14.xml><?xml version="1.0" encoding="utf-8"?>
+<p:sld xmlns:a="http://schemas.openxmlformats.org/drawingml/2006/main" xmlns:r="http://schemas.openxmlformats.org/officeDocument/2006/relationships" xmlns:p="http://schemas.openxmlformats.org/presentationml/2006/main">
+  <p:cSld>
+    <p:spTree>
+      <p:nvGrpSpPr>
+        <p:cNvPr id="1" name=""/>
+        <p:cNvGrpSpPr/>
+        <p:nvPr/>
+      </p:nvGrpSpPr>
+      <p:grpSpPr>
+        <a:xfrm>
+          <a:off x="0" y="0"/>
+          <a:ext cx="0" cy="0"/>
+          <a:chOff x="0" y="0"/>
+          <a:chExt cx="0" cy="0"/>
+        </a:xfrm>
+      </p:grpSpPr>
+      <p:sp>
+        <p:nvSpPr>
           <p:cNvPr id="2" name="Title 1"/>
           <p:cNvSpPr>
             <a:spLocks noGrp="1"/>
@@ -14429,7 +14381,7 @@
     </p:spTree>
     <p:extLst>
       <p:ext uri="{BB962C8B-B14F-4D97-AF65-F5344CB8AC3E}">
-        <p14:creationId xmlns="" xmlns:p14="http://schemas.microsoft.com/office/powerpoint/2010/main" val="2431271499"/>
+        <p14:creationId xmlns:p14="http://schemas.microsoft.com/office/powerpoint/2010/main" xmlns="" val="2431271499"/>
       </p:ext>
     </p:extLst>
   </p:cSld>
@@ -14674,7 +14626,7 @@
     </p:spTree>
     <p:extLst>
       <p:ext uri="{BB962C8B-B14F-4D97-AF65-F5344CB8AC3E}">
-        <p14:creationId xmlns="" xmlns:p14="http://schemas.microsoft.com/office/powerpoint/2010/main" val="1904567464"/>
+        <p14:creationId xmlns:p14="http://schemas.microsoft.com/office/powerpoint/2010/main" xmlns="" val="1904567464"/>
       </p:ext>
     </p:extLst>
   </p:cSld>
@@ -14950,7 +14902,7 @@
     </p:spTree>
     <p:extLst>
       <p:ext uri="{BB962C8B-B14F-4D97-AF65-F5344CB8AC3E}">
-        <p14:creationId xmlns="" xmlns:p14="http://schemas.microsoft.com/office/powerpoint/2010/main" val="1904567464"/>
+        <p14:creationId xmlns:p14="http://schemas.microsoft.com/office/powerpoint/2010/main" xmlns="" val="1904567464"/>
       </p:ext>
     </p:extLst>
   </p:cSld>
@@ -15134,7 +15086,7 @@
     </p:spTree>
     <p:extLst>
       <p:ext uri="{BB962C8B-B14F-4D97-AF65-F5344CB8AC3E}">
-        <p14:creationId xmlns="" xmlns:p14="http://schemas.microsoft.com/office/powerpoint/2010/main" val="1904567464"/>
+        <p14:creationId xmlns:p14="http://schemas.microsoft.com/office/powerpoint/2010/main" xmlns="" val="1904567464"/>
       </p:ext>
     </p:extLst>
   </p:cSld>
@@ -15276,7 +15228,7 @@
     </p:spTree>
     <p:extLst>
       <p:ext uri="{BB962C8B-B14F-4D97-AF65-F5344CB8AC3E}">
-        <p14:creationId xmlns="" xmlns:p14="http://schemas.microsoft.com/office/powerpoint/2010/main" val="1904567464"/>
+        <p14:creationId xmlns:p14="http://schemas.microsoft.com/office/powerpoint/2010/main" xmlns="" val="1904567464"/>
       </p:ext>
     </p:extLst>
   </p:cSld>
@@ -15460,7 +15412,7 @@
     </p:spTree>
     <p:extLst>
       <p:ext uri="{BB962C8B-B14F-4D97-AF65-F5344CB8AC3E}">
-        <p14:creationId xmlns="" xmlns:p14="http://schemas.microsoft.com/office/powerpoint/2010/main" val="1904567464"/>
+        <p14:creationId xmlns:p14="http://schemas.microsoft.com/office/powerpoint/2010/main" xmlns="" val="1904567464"/>
       </p:ext>
     </p:extLst>
   </p:cSld>
@@ -15766,7 +15718,7 @@
     </p:spTree>
     <p:extLst>
       <p:ext uri="{BB962C8B-B14F-4D97-AF65-F5344CB8AC3E}">
-        <p14:creationId xmlns="" xmlns:p14="http://schemas.microsoft.com/office/powerpoint/2010/main" val="1904567464"/>
+        <p14:creationId xmlns:p14="http://schemas.microsoft.com/office/powerpoint/2010/main" xmlns="" val="1904567464"/>
       </p:ext>
     </p:extLst>
   </p:cSld>
@@ -15881,11 +15833,7 @@
             </a:r>
             <a:r>
               <a:rPr lang="pt-PT" sz="1800" b="1" dirty="0" smtClean="0"/>
-              <a:t>” </a:t>
-            </a:r>
-            <a:r>
-              <a:rPr lang="pt-PT" sz="1800" b="1" dirty="0" smtClean="0"/>
-              <a:t>devolve um resultado idêntico ao “</a:t>
+              <a:t>” devolve um resultado idêntico ao “</a:t>
             </a:r>
             <a:r>
               <a:rPr lang="pt-PT" sz="1800" b="1" dirty="0" err="1" smtClean="0"/>
@@ -15926,11 +15874,7 @@
             </a:pPr>
             <a:r>
               <a:rPr lang="pt-PT" sz="1800" b="1" dirty="0" smtClean="0"/>
-              <a:t>“?” </a:t>
-            </a:r>
-            <a:r>
-              <a:rPr lang="pt-PT" sz="1800" b="1" dirty="0" smtClean="0"/>
-              <a:t>introduz as condições da consulta… “</a:t>
+              <a:t>“?” introduz as condições da consulta… “</a:t>
             </a:r>
             <a:r>
               <a:rPr lang="pt-PT" sz="1800" b="1" dirty="0" err="1" smtClean="0"/>
@@ -16036,7 +15980,7 @@
     </p:spTree>
     <p:extLst>
       <p:ext uri="{BB962C8B-B14F-4D97-AF65-F5344CB8AC3E}">
-        <p14:creationId xmlns="" xmlns:p14="http://schemas.microsoft.com/office/powerpoint/2010/main" val="1904567464"/>
+        <p14:creationId xmlns:p14="http://schemas.microsoft.com/office/powerpoint/2010/main" xmlns="" val="1904567464"/>
       </p:ext>
     </p:extLst>
   </p:cSld>
@@ -16312,7 +16256,7 @@
   <a:extraClrSchemeLst/>
   <a:extLst>
     <a:ext uri="{05A4C25C-085E-4340-85A3-A5531E510DB2}">
-      <thm15:themeFamily xmlns="" xmlns:thm15="http://schemas.microsoft.com/office/thememl/2012/main" name="Ion Boardroom" id="{FC33163D-4339-46B1-8EED-24C834239D99}" vid="{A3AB87EF-B655-4FFF-8D05-F333AD7F2789}"/>
+      <thm15:themeFamily xmlns:thm15="http://schemas.microsoft.com/office/thememl/2012/main" xmlns="" name="Ion Boardroom" id="{FC33163D-4339-46B1-8EED-24C834239D99}" vid="{A3AB87EF-B655-4FFF-8D05-F333AD7F2789}"/>
     </a:ext>
   </a:extLst>
 </a:theme>
